--- a/全球版灌篮OBT复盘总结.pptx
+++ b/全球版灌篮OBT复盘总结.pptx
@@ -4,11 +4,19 @@
   <p:sldMasterIdLst>
     <p:sldMasterId id="2147483648" r:id="rId1"/>
   </p:sldMasterIdLst>
+  <p:notesMasterIdLst>
+    <p:notesMasterId r:id="rId5"/>
+  </p:notesMasterIdLst>
   <p:sldIdLst>
     <p:sldId id="409" r:id="rId3"/>
     <p:sldId id="410" r:id="rId4"/>
-    <p:sldId id="411" r:id="rId5"/>
-    <p:sldId id="413" r:id="rId6"/>
+    <p:sldId id="411" r:id="rId6"/>
+    <p:sldId id="413" r:id="rId7"/>
+    <p:sldId id="416" r:id="rId8"/>
+    <p:sldId id="417" r:id="rId9"/>
+    <p:sldId id="418" r:id="rId10"/>
+    <p:sldId id="419" r:id="rId11"/>
+    <p:sldId id="420" r:id="rId12"/>
   </p:sldIdLst>
   <p:sldSz cx="12192000" cy="6858000"/>
   <p:notesSz cx="6858000" cy="9144000"/>
@@ -108,6 +116,403 @@
     </a:lvl9pPr>
   </p:defaultTextStyle>
 </p:presentation>
+</file>
+
+<file path=ppt/commentAuthors.xml><?xml version="1.0" encoding="utf-8"?>
+<p:cmAuthorLst xmlns:a="http://schemas.openxmlformats.org/drawingml/2006/main" xmlns:r="http://schemas.openxmlformats.org/officeDocument/2006/relationships" xmlns:p="http://schemas.openxmlformats.org/presentationml/2006/main">
+  <p:cmAuthor id="1" name="Rex" initials="R" lastIdx="1" clrIdx="0"/>
+</p:cmAuthorLst>
+</file>
+
+<file path=ppt/notesMasters/notesMaster1.xml><?xml version="1.0" encoding="utf-8"?>
+<p:notesMaster xmlns:a="http://schemas.openxmlformats.org/drawingml/2006/main" xmlns:r="http://schemas.openxmlformats.org/officeDocument/2006/relationships" xmlns:p="http://schemas.openxmlformats.org/presentationml/2006/main">
+  <p:cSld>
+    <p:bg>
+      <p:bgRef idx="1001">
+        <a:schemeClr val="bg1"/>
+      </p:bgRef>
+    </p:bg>
+    <p:spTree>
+      <p:nvGrpSpPr>
+        <p:cNvPr id="1" name=""/>
+        <p:cNvGrpSpPr/>
+        <p:nvPr/>
+      </p:nvGrpSpPr>
+      <p:grpSpPr>
+        <a:xfrm>
+          <a:off x="0" y="0"/>
+          <a:ext cx="0" cy="0"/>
+          <a:chOff x="0" y="0"/>
+          <a:chExt cx="0" cy="0"/>
+        </a:xfrm>
+      </p:grpSpPr>
+      <p:sp>
+        <p:nvSpPr>
+          <p:cNvPr id="2" name="页眉占位符 1"/>
+          <p:cNvSpPr>
+            <a:spLocks noGrp="1"/>
+          </p:cNvSpPr>
+          <p:nvPr>
+            <p:ph type="hdr" sz="quarter"/>
+          </p:nvPr>
+        </p:nvSpPr>
+        <p:spPr>
+          <a:xfrm>
+            <a:off x="0" y="0"/>
+            <a:ext cx="2971800" cy="458788"/>
+          </a:xfrm>
+          <a:prstGeom prst="rect">
+            <a:avLst/>
+          </a:prstGeom>
+        </p:spPr>
+        <p:txBody>
+          <a:bodyPr vert="horz" lIns="91440" tIns="45720" rIns="91440" bIns="45720" rtlCol="0"/>
+          <a:lstStyle>
+            <a:lvl1pPr algn="l">
+              <a:defRPr sz="1200"/>
+            </a:lvl1pPr>
+          </a:lstStyle>
+          <a:p>
+            <a:endParaRPr lang="zh-CN" altLang="en-US"/>
+          </a:p>
+        </p:txBody>
+      </p:sp>
+      <p:sp>
+        <p:nvSpPr>
+          <p:cNvPr id="3" name="日期占位符 2"/>
+          <p:cNvSpPr>
+            <a:spLocks noGrp="1"/>
+          </p:cNvSpPr>
+          <p:nvPr>
+            <p:ph type="dt" idx="1"/>
+          </p:nvPr>
+        </p:nvSpPr>
+        <p:spPr>
+          <a:xfrm>
+            <a:off x="3884613" y="0"/>
+            <a:ext cx="2971800" cy="458788"/>
+          </a:xfrm>
+          <a:prstGeom prst="rect">
+            <a:avLst/>
+          </a:prstGeom>
+        </p:spPr>
+        <p:txBody>
+          <a:bodyPr vert="horz" lIns="91440" tIns="45720" rIns="91440" bIns="45720" rtlCol="0"/>
+          <a:lstStyle>
+            <a:lvl1pPr algn="r">
+              <a:defRPr sz="1200"/>
+            </a:lvl1pPr>
+          </a:lstStyle>
+          <a:p>
+            <a:fld id="{D2A48B96-639E-45A3-A0BA-2464DFDB1FAA}" type="datetimeFigureOut">
+              <a:rPr lang="zh-CN" altLang="en-US" smtClean="0"/>
+            </a:fld>
+            <a:endParaRPr lang="zh-CN" altLang="en-US"/>
+          </a:p>
+        </p:txBody>
+      </p:sp>
+      <p:sp>
+        <p:nvSpPr>
+          <p:cNvPr id="4" name="幻灯片图像占位符 3"/>
+          <p:cNvSpPr>
+            <a:spLocks noGrp="1" noRot="1" noChangeAspect="1"/>
+          </p:cNvSpPr>
+          <p:nvPr>
+            <p:ph type="sldImg" idx="2"/>
+          </p:nvPr>
+        </p:nvSpPr>
+        <p:spPr>
+          <a:xfrm>
+            <a:off x="685800" y="1143000"/>
+            <a:ext cx="5486400" cy="3086100"/>
+          </a:xfrm>
+          <a:prstGeom prst="rect">
+            <a:avLst/>
+          </a:prstGeom>
+          <a:noFill/>
+          <a:ln w="12700">
+            <a:solidFill>
+              <a:prstClr val="black"/>
+            </a:solidFill>
+          </a:ln>
+        </p:spPr>
+        <p:txBody>
+          <a:bodyPr vert="horz" lIns="91440" tIns="45720" rIns="91440" bIns="45720" rtlCol="0" anchor="ctr"/>
+          <a:lstStyle/>
+          <a:p>
+            <a:endParaRPr lang="zh-CN" altLang="en-US"/>
+          </a:p>
+        </p:txBody>
+      </p:sp>
+      <p:sp>
+        <p:nvSpPr>
+          <p:cNvPr id="5" name="备注占位符 4"/>
+          <p:cNvSpPr>
+            <a:spLocks noGrp="1"/>
+          </p:cNvSpPr>
+          <p:nvPr>
+            <p:ph type="body" sz="quarter" idx="3"/>
+          </p:nvPr>
+        </p:nvSpPr>
+        <p:spPr>
+          <a:xfrm>
+            <a:off x="685800" y="4400550"/>
+            <a:ext cx="5486400" cy="3600450"/>
+          </a:xfrm>
+          <a:prstGeom prst="rect">
+            <a:avLst/>
+          </a:prstGeom>
+        </p:spPr>
+        <p:txBody>
+          <a:bodyPr vert="horz" lIns="91440" tIns="45720" rIns="91440" bIns="45720" rtlCol="0"/>
+          <a:lstStyle/>
+          <a:p>
+            <a:pPr lvl="0"/>
+            <a:r>
+              <a:rPr lang="zh-CN" altLang="en-US" smtClean="0"/>
+              <a:t>单击此处编辑母版文本样式</a:t>
+            </a:r>
+            <a:endParaRPr lang="zh-CN" altLang="en-US" smtClean="0"/>
+          </a:p>
+          <a:p>
+            <a:pPr lvl="1"/>
+            <a:r>
+              <a:rPr lang="zh-CN" altLang="en-US" smtClean="0"/>
+              <a:t>第二级</a:t>
+            </a:r>
+            <a:endParaRPr lang="zh-CN" altLang="en-US" smtClean="0"/>
+          </a:p>
+          <a:p>
+            <a:pPr lvl="2"/>
+            <a:r>
+              <a:rPr lang="zh-CN" altLang="en-US" smtClean="0"/>
+              <a:t>第三级</a:t>
+            </a:r>
+            <a:endParaRPr lang="zh-CN" altLang="en-US" smtClean="0"/>
+          </a:p>
+          <a:p>
+            <a:pPr lvl="3"/>
+            <a:r>
+              <a:rPr lang="zh-CN" altLang="en-US" smtClean="0"/>
+              <a:t>第四级</a:t>
+            </a:r>
+            <a:endParaRPr lang="zh-CN" altLang="en-US" smtClean="0"/>
+          </a:p>
+          <a:p>
+            <a:pPr lvl="4"/>
+            <a:r>
+              <a:rPr lang="zh-CN" altLang="en-US" smtClean="0"/>
+              <a:t>第五级</a:t>
+            </a:r>
+            <a:endParaRPr lang="zh-CN" altLang="en-US"/>
+          </a:p>
+        </p:txBody>
+      </p:sp>
+      <p:sp>
+        <p:nvSpPr>
+          <p:cNvPr id="6" name="页脚占位符 5"/>
+          <p:cNvSpPr>
+            <a:spLocks noGrp="1"/>
+          </p:cNvSpPr>
+          <p:nvPr>
+            <p:ph type="ftr" sz="quarter" idx="4"/>
+          </p:nvPr>
+        </p:nvSpPr>
+        <p:spPr>
+          <a:xfrm>
+            <a:off x="0" y="8685213"/>
+            <a:ext cx="2971800" cy="458787"/>
+          </a:xfrm>
+          <a:prstGeom prst="rect">
+            <a:avLst/>
+          </a:prstGeom>
+        </p:spPr>
+        <p:txBody>
+          <a:bodyPr vert="horz" lIns="91440" tIns="45720" rIns="91440" bIns="45720" rtlCol="0" anchor="b"/>
+          <a:lstStyle>
+            <a:lvl1pPr algn="l">
+              <a:defRPr sz="1200"/>
+            </a:lvl1pPr>
+          </a:lstStyle>
+          <a:p>
+            <a:endParaRPr lang="zh-CN" altLang="en-US"/>
+          </a:p>
+        </p:txBody>
+      </p:sp>
+      <p:sp>
+        <p:nvSpPr>
+          <p:cNvPr id="7" name="灯片编号占位符 6"/>
+          <p:cNvSpPr>
+            <a:spLocks noGrp="1"/>
+          </p:cNvSpPr>
+          <p:nvPr>
+            <p:ph type="sldNum" sz="quarter" idx="5"/>
+          </p:nvPr>
+        </p:nvSpPr>
+        <p:spPr>
+          <a:xfrm>
+            <a:off x="3884613" y="8685213"/>
+            <a:ext cx="2971800" cy="458787"/>
+          </a:xfrm>
+          <a:prstGeom prst="rect">
+            <a:avLst/>
+          </a:prstGeom>
+        </p:spPr>
+        <p:txBody>
+          <a:bodyPr vert="horz" lIns="91440" tIns="45720" rIns="91440" bIns="45720" rtlCol="0" anchor="b"/>
+          <a:lstStyle>
+            <a:lvl1pPr algn="r">
+              <a:defRPr sz="1200"/>
+            </a:lvl1pPr>
+          </a:lstStyle>
+          <a:p>
+            <a:fld id="{A6837353-30EB-4A48-80EB-173D804AEFBD}" type="slidenum">
+              <a:rPr lang="zh-CN" altLang="en-US" smtClean="0"/>
+            </a:fld>
+            <a:endParaRPr lang="zh-CN" altLang="en-US"/>
+          </a:p>
+        </p:txBody>
+      </p:sp>
+    </p:spTree>
+  </p:cSld>
+  <p:clrMap bg1="lt1" tx1="dk1" bg2="lt2" tx2="dk2" accent1="accent1" accent2="accent2" accent3="accent3" accent4="accent4" accent5="accent5" accent6="accent6" hlink="hlink" folHlink="folHlink"/>
+  <p:notesStyle>
+    <a:lvl1pPr marL="0" algn="l" defTabSz="914400" rtl="0" eaLnBrk="1" latinLnBrk="0" hangingPunct="1">
+      <a:defRPr sz="1200" kern="1200">
+        <a:solidFill>
+          <a:schemeClr val="tx1"/>
+        </a:solidFill>
+        <a:latin typeface="+mn-lt"/>
+        <a:ea typeface="+mn-ea"/>
+        <a:cs typeface="+mn-cs"/>
+      </a:defRPr>
+    </a:lvl1pPr>
+    <a:lvl2pPr marL="457200" algn="l" defTabSz="914400" rtl="0" eaLnBrk="1" latinLnBrk="0" hangingPunct="1">
+      <a:defRPr sz="1200" kern="1200">
+        <a:solidFill>
+          <a:schemeClr val="tx1"/>
+        </a:solidFill>
+        <a:latin typeface="+mn-lt"/>
+        <a:ea typeface="+mn-ea"/>
+        <a:cs typeface="+mn-cs"/>
+      </a:defRPr>
+    </a:lvl2pPr>
+    <a:lvl3pPr marL="914400" algn="l" defTabSz="914400" rtl="0" eaLnBrk="1" latinLnBrk="0" hangingPunct="1">
+      <a:defRPr sz="1200" kern="1200">
+        <a:solidFill>
+          <a:schemeClr val="tx1"/>
+        </a:solidFill>
+        <a:latin typeface="+mn-lt"/>
+        <a:ea typeface="+mn-ea"/>
+        <a:cs typeface="+mn-cs"/>
+      </a:defRPr>
+    </a:lvl3pPr>
+    <a:lvl4pPr marL="1371600" algn="l" defTabSz="914400" rtl="0" eaLnBrk="1" latinLnBrk="0" hangingPunct="1">
+      <a:defRPr sz="1200" kern="1200">
+        <a:solidFill>
+          <a:schemeClr val="tx1"/>
+        </a:solidFill>
+        <a:latin typeface="+mn-lt"/>
+        <a:ea typeface="+mn-ea"/>
+        <a:cs typeface="+mn-cs"/>
+      </a:defRPr>
+    </a:lvl4pPr>
+    <a:lvl5pPr marL="1828800" algn="l" defTabSz="914400" rtl="0" eaLnBrk="1" latinLnBrk="0" hangingPunct="1">
+      <a:defRPr sz="1200" kern="1200">
+        <a:solidFill>
+          <a:schemeClr val="tx1"/>
+        </a:solidFill>
+        <a:latin typeface="+mn-lt"/>
+        <a:ea typeface="+mn-ea"/>
+        <a:cs typeface="+mn-cs"/>
+      </a:defRPr>
+    </a:lvl5pPr>
+    <a:lvl6pPr marL="2286000" algn="l" defTabSz="914400" rtl="0" eaLnBrk="1" latinLnBrk="0" hangingPunct="1">
+      <a:defRPr sz="1200" kern="1200">
+        <a:solidFill>
+          <a:schemeClr val="tx1"/>
+        </a:solidFill>
+        <a:latin typeface="+mn-lt"/>
+        <a:ea typeface="+mn-ea"/>
+        <a:cs typeface="+mn-cs"/>
+      </a:defRPr>
+    </a:lvl6pPr>
+    <a:lvl7pPr marL="2743200" algn="l" defTabSz="914400" rtl="0" eaLnBrk="1" latinLnBrk="0" hangingPunct="1">
+      <a:defRPr sz="1200" kern="1200">
+        <a:solidFill>
+          <a:schemeClr val="tx1"/>
+        </a:solidFill>
+        <a:latin typeface="+mn-lt"/>
+        <a:ea typeface="+mn-ea"/>
+        <a:cs typeface="+mn-cs"/>
+      </a:defRPr>
+    </a:lvl7pPr>
+    <a:lvl8pPr marL="3200400" algn="l" defTabSz="914400" rtl="0" eaLnBrk="1" latinLnBrk="0" hangingPunct="1">
+      <a:defRPr sz="1200" kern="1200">
+        <a:solidFill>
+          <a:schemeClr val="tx1"/>
+        </a:solidFill>
+        <a:latin typeface="+mn-lt"/>
+        <a:ea typeface="+mn-ea"/>
+        <a:cs typeface="+mn-cs"/>
+      </a:defRPr>
+    </a:lvl8pPr>
+    <a:lvl9pPr marL="3657600" algn="l" defTabSz="914400" rtl="0" eaLnBrk="1" latinLnBrk="0" hangingPunct="1">
+      <a:defRPr sz="1200" kern="1200">
+        <a:solidFill>
+          <a:schemeClr val="tx1"/>
+        </a:solidFill>
+        <a:latin typeface="+mn-lt"/>
+        <a:ea typeface="+mn-ea"/>
+        <a:cs typeface="+mn-cs"/>
+      </a:defRPr>
+    </a:lvl9pPr>
+  </p:notesStyle>
+</p:notesMaster>
+</file>
+
+<file path=ppt/notesSlides/notesSlide1.xml><?xml version="1.0" encoding="utf-8"?>
+<p:notes xmlns:a="http://schemas.openxmlformats.org/drawingml/2006/main" xmlns:r="http://schemas.openxmlformats.org/officeDocument/2006/relationships" xmlns:p="http://schemas.openxmlformats.org/presentationml/2006/main">
+  <p:cSld>
+    <p:spTree>
+      <p:nvGrpSpPr>
+        <p:cNvPr id="1" name=""/>
+        <p:cNvGrpSpPr/>
+        <p:nvPr/>
+      </p:nvGrpSpPr>
+      <p:grpSpPr/>
+      <p:sp>
+        <p:nvSpPr>
+          <p:cNvPr id="2" name="幻灯片图像占位符 1"/>
+          <p:cNvSpPr/>
+          <p:nvPr>
+            <p:ph type="sldImg" idx="2"/>
+          </p:nvPr>
+        </p:nvSpPr>
+        <p:spPr/>
+      </p:sp>
+      <p:sp>
+        <p:nvSpPr>
+          <p:cNvPr id="3" name="文本占位符 2"/>
+          <p:cNvSpPr/>
+          <p:nvPr>
+            <p:ph type="body" idx="3"/>
+          </p:nvPr>
+        </p:nvSpPr>
+        <p:spPr/>
+        <p:txBody>
+          <a:bodyPr/>
+          <a:p>
+            <a:endParaRPr lang="zh-CN" altLang="en-US"/>
+          </a:p>
+        </p:txBody>
+      </p:sp>
+    </p:spTree>
+  </p:cSld>
+  <p:clrMapOvr>
+    <a:masterClrMapping/>
+  </p:clrMapOvr>
+</p:notes>
 </file>
 
 <file path=ppt/slideLayouts/slideLayout1.xml><?xml version="1.0" encoding="utf-8"?>
@@ -4398,10 +4803,6 @@
               <a:t>全球版灌篮</a:t>
             </a:r>
             <a:r>
-              <a:rPr lang="en-US" altLang="zh-CN"/>
-              <a:t>OBT</a:t>
-            </a:r>
-            <a:r>
               <a:rPr lang="zh-CN" altLang="en-US"/>
               <a:t>复盘总结</a:t>
             </a:r>
@@ -4590,7 +4991,22 @@
                 <a:cs typeface="微软雅黑" panose="020B0503020204020204" pitchFamily="34" charset="-122"/>
                 <a:sym typeface="Arial" panose="020B0604020202020204" pitchFamily="34" charset="0"/>
               </a:rPr>
-              <a:t>测试复盘回顾及优化成果总结</a:t>
+              <a:t>测试</a:t>
+            </a:r>
+            <a:r>
+              <a:rPr lang="zh-CN" altLang="en-US" sz="2000" dirty="0">
+                <a:solidFill>
+                  <a:schemeClr val="tx1">
+                    <a:lumMod val="65000"/>
+                    <a:lumOff val="35000"/>
+                  </a:schemeClr>
+                </a:solidFill>
+                <a:latin typeface="Arial" panose="020B0604020202020204" pitchFamily="34" charset="0"/>
+                <a:ea typeface="微软雅黑" panose="020B0503020204020204" pitchFamily="34" charset="-122"/>
+                <a:cs typeface="微软雅黑" panose="020B0503020204020204" pitchFamily="34" charset="-122"/>
+                <a:sym typeface="Arial" panose="020B0604020202020204" pitchFamily="34" charset="0"/>
+              </a:rPr>
+              <a:t>复盘回顾及成果总结</a:t>
             </a:r>
             <a:endParaRPr lang="zh-CN" altLang="en-US" sz="2000" dirty="0">
               <a:solidFill>
@@ -4695,57 +5111,13 @@
           </a:p>
         </p:txBody>
       </p:sp>
-      <p:sp>
-        <p:nvSpPr>
-          <p:cNvPr id="32" name="文本框 31"/>
-          <p:cNvSpPr txBox="1"/>
-          <p:nvPr>
-            <p:custDataLst>
-              <p:tags r:id="rId5"/>
-            </p:custDataLst>
-          </p:nvPr>
-        </p:nvSpPr>
-        <p:spPr>
-          <a:xfrm>
-            <a:off x="5768975" y="4972685"/>
-            <a:ext cx="958850" cy="768350"/>
-          </a:xfrm>
-          <a:prstGeom prst="rect">
-            <a:avLst/>
-          </a:prstGeom>
-          <a:noFill/>
-        </p:spPr>
-        <p:txBody>
-          <a:bodyPr wrap="square" rtlCol="0">
-            <a:normAutofit/>
-          </a:bodyPr>
-          <a:lstStyle/>
-          <a:p>
-            <a:r>
-              <a:rPr lang="en-US" altLang="zh-CN" sz="4400" b="1">
-                <a:latin typeface="Arial" panose="020B0604020202020204" pitchFamily="34" charset="0"/>
-                <a:ea typeface="微软雅黑" panose="020B0503020204020204" pitchFamily="34" charset="-122"/>
-                <a:cs typeface="Arial" panose="020B0604020202020204" pitchFamily="34" charset="0"/>
-                <a:sym typeface="Arial" panose="020B0604020202020204" pitchFamily="34" charset="0"/>
-              </a:rPr>
-              <a:t>04.</a:t>
-            </a:r>
-            <a:endParaRPr lang="en-US" altLang="zh-CN" sz="4400" b="1">
-              <a:latin typeface="Arial" panose="020B0604020202020204" pitchFamily="34" charset="0"/>
-              <a:ea typeface="微软雅黑" panose="020B0503020204020204" pitchFamily="34" charset="-122"/>
-              <a:cs typeface="Arial" panose="020B0604020202020204" pitchFamily="34" charset="0"/>
-              <a:sym typeface="Arial" panose="020B0604020202020204" pitchFamily="34" charset="0"/>
-            </a:endParaRPr>
-          </a:p>
-        </p:txBody>
-      </p:sp>
       <p:cxnSp>
         <p:nvCxnSpPr>
           <p:cNvPr id="38" name="直接连接符 37"/>
           <p:cNvCxnSpPr/>
           <p:nvPr>
             <p:custDataLst>
-              <p:tags r:id="rId6"/>
+              <p:tags r:id="rId5"/>
             </p:custDataLst>
           </p:nvPr>
         </p:nvCxnSpPr>
@@ -4787,7 +5159,7 @@
           <p:cNvSpPr txBox="1"/>
           <p:nvPr>
             <p:custDataLst>
-              <p:tags r:id="rId7"/>
+              <p:tags r:id="rId6"/>
             </p:custDataLst>
           </p:nvPr>
         </p:nvSpPr>
@@ -4842,7 +5214,7 @@
           <p:cNvSpPr txBox="1"/>
           <p:nvPr>
             <p:custDataLst>
-              <p:tags r:id="rId8"/>
+              <p:tags r:id="rId7"/>
             </p:custDataLst>
           </p:nvPr>
         </p:nvSpPr>
@@ -4899,7 +5271,7 @@
           <p:cNvSpPr/>
           <p:nvPr>
             <p:custDataLst>
-              <p:tags r:id="rId9"/>
+              <p:tags r:id="rId8"/>
             </p:custDataLst>
           </p:nvPr>
         </p:nvSpPr>
@@ -4956,7 +5328,7 @@
           <p:cNvSpPr txBox="1"/>
           <p:nvPr>
             <p:custDataLst>
-              <p:tags r:id="rId10"/>
+              <p:tags r:id="rId9"/>
             </p:custDataLst>
           </p:nvPr>
         </p:nvSpPr>
@@ -4994,7 +5366,7 @@
                 <a:cs typeface="微软雅黑" panose="020B0503020204020204" pitchFamily="34" charset="-122"/>
                 <a:sym typeface="Arial" panose="020B0604020202020204" pitchFamily="34" charset="0"/>
               </a:rPr>
-              <a:t>性能测试优化总结复盘</a:t>
+              <a:t>性能测试复盘回顾及成果总结</a:t>
             </a:r>
             <a:endParaRPr lang="zh-CN" altLang="en-US" sz="2000" dirty="0">
               <a:solidFill>
@@ -5017,7 +5389,7 @@
           <p:cNvSpPr txBox="1"/>
           <p:nvPr>
             <p:custDataLst>
-              <p:tags r:id="rId11"/>
+              <p:tags r:id="rId10"/>
             </p:custDataLst>
           </p:nvPr>
         </p:nvSpPr>
@@ -5055,68 +5427,7 @@
                 <a:cs typeface="微软雅黑" panose="020B0503020204020204" pitchFamily="34" charset="-122"/>
                 <a:sym typeface="Arial" panose="020B0604020202020204" pitchFamily="34" charset="0"/>
               </a:rPr>
-              <a:t>客服线上问题复盘及测试缺陷剖析</a:t>
-            </a:r>
-            <a:endParaRPr lang="en-US" altLang="zh-CN" sz="2000" dirty="0">
-              <a:solidFill>
-                <a:schemeClr val="tx1">
-                  <a:lumMod val="65000"/>
-                  <a:lumOff val="35000"/>
-                </a:schemeClr>
-              </a:solidFill>
-              <a:latin typeface="Arial" panose="020B0604020202020204" pitchFamily="34" charset="0"/>
-              <a:ea typeface="微软雅黑" panose="020B0503020204020204" pitchFamily="34" charset="-122"/>
-              <a:cs typeface="微软雅黑" panose="020B0503020204020204" pitchFamily="34" charset="-122"/>
-              <a:sym typeface="Arial" panose="020B0604020202020204" pitchFamily="34" charset="0"/>
-            </a:endParaRPr>
-          </a:p>
-        </p:txBody>
-      </p:sp>
-      <p:sp>
-        <p:nvSpPr>
-          <p:cNvPr id="21" name="文本框 20"/>
-          <p:cNvSpPr txBox="1"/>
-          <p:nvPr>
-            <p:custDataLst>
-              <p:tags r:id="rId12"/>
-            </p:custDataLst>
-          </p:nvPr>
-        </p:nvSpPr>
-        <p:spPr>
-          <a:xfrm>
-            <a:off x="6878955" y="4972685"/>
-            <a:ext cx="4246245" cy="770400"/>
-          </a:xfrm>
-          <a:prstGeom prst="rect">
-            <a:avLst/>
-          </a:prstGeom>
-          <a:noFill/>
-        </p:spPr>
-        <p:txBody>
-          <a:bodyPr wrap="square" bIns="46990" rtlCol="0" anchor="ctr" anchorCtr="0">
-            <a:normAutofit/>
-          </a:bodyPr>
-          <a:lstStyle/>
-          <a:p>
-            <a:pPr fontAlgn="auto">
-              <a:lnSpc>
-                <a:spcPct val="120000"/>
-              </a:lnSpc>
-            </a:pPr>
-            <a:r>
-              <a:rPr lang="zh-CN" altLang="en-US" sz="2000" dirty="0">
-                <a:solidFill>
-                  <a:schemeClr val="tx1">
-                    <a:lumMod val="65000"/>
-                    <a:lumOff val="35000"/>
-                  </a:schemeClr>
-                </a:solidFill>
-                <a:latin typeface="Arial" panose="020B0604020202020204" pitchFamily="34" charset="0"/>
-                <a:ea typeface="微软雅黑" panose="020B0503020204020204" pitchFamily="34" charset="-122"/>
-                <a:cs typeface="微软雅黑" panose="020B0503020204020204" pitchFamily="34" charset="-122"/>
-                <a:sym typeface="Arial" panose="020B0604020202020204" pitchFamily="34" charset="0"/>
-              </a:rPr>
-              <a:t>屏蔽字测试流程优化复盘</a:t>
+              <a:t>代码上线流程复盘与总结</a:t>
             </a:r>
             <a:endParaRPr lang="zh-CN" altLang="en-US" sz="2000" dirty="0">
               <a:solidFill>
@@ -5135,7 +5446,7 @@
       </p:sp>
     </p:spTree>
     <p:custDataLst>
-      <p:tags r:id="rId13"/>
+      <p:tags r:id="rId11"/>
     </p:custDataLst>
   </p:cSld>
   <p:clrMapOvr>
@@ -5180,6 +5491,19 @@
           <a:lstStyle/>
           <a:p>
             <a:r>
+              <a:rPr>
+                <a:solidFill>
+                  <a:schemeClr val="tx1">
+                    <a:lumMod val="65000"/>
+                    <a:lumOff val="35000"/>
+                  </a:schemeClr>
+                </a:solidFill>
+                <a:cs typeface="微软雅黑" panose="020B0503020204020204" pitchFamily="34" charset="-122"/>
+                <a:sym typeface="Arial" panose="020B0604020202020204" pitchFamily="34" charset="0"/>
+              </a:rPr>
+              <a:t>一、</a:t>
+            </a:r>
+            <a:r>
               <a:rPr lang="en-US" altLang="zh-CN">
                 <a:solidFill>
                   <a:schemeClr val="tx1">
@@ -5487,7 +5811,19 @@
               <a:rPr sz="2025">
                 <a:sym typeface="+mn-ea"/>
               </a:rPr>
-              <a:t>提高视野，最终目的在于</a:t>
+              <a:t>提高视野：</a:t>
+            </a:r>
+            <a:r>
+              <a:rPr lang="en-US" altLang="zh-CN" sz="2025">
+                <a:sym typeface="+mn-ea"/>
+              </a:rPr>
+              <a:t>QA</a:t>
+            </a:r>
+            <a:r>
+              <a:rPr sz="2025">
+                <a:sym typeface="+mn-ea"/>
+              </a:rPr>
+              <a:t>最终目的在于</a:t>
             </a:r>
             <a:r>
               <a:rPr sz="2025">
@@ -5531,6 +5867,837 @@
 </p:sld>
 </file>
 
+<file path=ppt/slides/slide5.xml><?xml version="1.0" encoding="utf-8"?>
+<p:sld xmlns:a="http://schemas.openxmlformats.org/drawingml/2006/main" xmlns:r="http://schemas.openxmlformats.org/officeDocument/2006/relationships" xmlns:p="http://schemas.openxmlformats.org/presentationml/2006/main">
+  <p:cSld>
+    <p:spTree>
+      <p:nvGrpSpPr>
+        <p:cNvPr id="1" name=""/>
+        <p:cNvGrpSpPr/>
+        <p:nvPr/>
+      </p:nvGrpSpPr>
+      <p:grpSpPr>
+        <a:xfrm>
+          <a:off x="0" y="0"/>
+          <a:ext cx="0" cy="0"/>
+          <a:chOff x="0" y="0"/>
+          <a:chExt cx="0" cy="0"/>
+        </a:xfrm>
+      </p:grpSpPr>
+      <p:sp>
+        <p:nvSpPr>
+          <p:cNvPr id="3" name="内容占位符 2"/>
+          <p:cNvSpPr>
+            <a:spLocks noGrp="1"/>
+          </p:cNvSpPr>
+          <p:nvPr>
+            <p:ph sz="half" idx="1"/>
+            <p:custDataLst>
+              <p:tags r:id="rId1"/>
+            </p:custDataLst>
+          </p:nvPr>
+        </p:nvSpPr>
+        <p:spPr>
+          <a:xfrm>
+            <a:off x="608400" y="1501200"/>
+            <a:ext cx="5176800" cy="4748400"/>
+          </a:xfrm>
+        </p:spPr>
+        <p:txBody>
+          <a:bodyPr/>
+          <a:lstStyle/>
+          <a:p>
+            <a:pPr marL="0" indent="0">
+              <a:buNone/>
+            </a:pPr>
+            <a:r>
+              <a:rPr lang="en-US" altLang="zh-CN" dirty="0"/>
+              <a:t>LCM</a:t>
+            </a:r>
+            <a:r>
+              <a:rPr dirty="0"/>
+              <a:t>相关：</a:t>
+            </a:r>
+            <a:endParaRPr dirty="0"/>
+          </a:p>
+          <a:p>
+            <a:pPr lvl="1"/>
+            <a:r>
+              <a:rPr dirty="0"/>
+              <a:t>发现配置</a:t>
+            </a:r>
+            <a:r>
+              <a:rPr lang="en-US" altLang="zh-CN" dirty="0">
+                <a:solidFill>
+                  <a:srgbClr val="FF0000"/>
+                </a:solidFill>
+              </a:rPr>
+              <a:t>1</a:t>
+            </a:r>
+            <a:r>
+              <a:rPr dirty="0">
+                <a:solidFill>
+                  <a:schemeClr val="tx1"/>
+                </a:solidFill>
+              </a:rPr>
+              <a:t>个；</a:t>
+            </a:r>
+            <a:endParaRPr dirty="0">
+              <a:solidFill>
+                <a:schemeClr val="tx1"/>
+              </a:solidFill>
+            </a:endParaRPr>
+          </a:p>
+          <a:p>
+            <a:pPr lvl="1"/>
+            <a:r>
+              <a:rPr dirty="0"/>
+              <a:t>现象：</a:t>
+            </a:r>
+            <a:endParaRPr dirty="0"/>
+          </a:p>
+          <a:p>
+            <a:pPr lvl="1"/>
+            <a:endParaRPr dirty="0"/>
+          </a:p>
+          <a:p>
+            <a:endParaRPr dirty="0"/>
+          </a:p>
+        </p:txBody>
+      </p:sp>
+      <p:sp>
+        <p:nvSpPr>
+          <p:cNvPr id="4" name="内容占位符 3"/>
+          <p:cNvSpPr>
+            <a:spLocks noGrp="1"/>
+          </p:cNvSpPr>
+          <p:nvPr>
+            <p:ph sz="half" idx="2"/>
+            <p:custDataLst>
+              <p:tags r:id="rId2"/>
+            </p:custDataLst>
+          </p:nvPr>
+        </p:nvSpPr>
+        <p:spPr/>
+        <p:txBody>
+          <a:bodyPr/>
+          <a:lstStyle/>
+          <a:p>
+            <a:pPr marL="0" indent="0">
+              <a:buNone/>
+            </a:pPr>
+            <a:r>
+              <a:rPr lang="zh-CN" altLang="en-US" dirty="0"/>
+              <a:t>游戏相关：</a:t>
+            </a:r>
+            <a:endParaRPr lang="zh-CN" altLang="en-US" dirty="0"/>
+          </a:p>
+          <a:p>
+            <a:pPr lvl="1"/>
+            <a:r>
+              <a:rPr lang="zh-CN" altLang="en-US" dirty="0"/>
+              <a:t>在上线前用游戏进行配置检查的过程中，协助繁体游戏测试发现游戏问题</a:t>
+            </a:r>
+            <a:r>
+              <a:rPr lang="en-US" altLang="zh-CN" dirty="0">
+                <a:solidFill>
+                  <a:srgbClr val="FF0000"/>
+                </a:solidFill>
+              </a:rPr>
+              <a:t>10</a:t>
+            </a:r>
+            <a:r>
+              <a:rPr lang="zh-CN" altLang="en-US" dirty="0"/>
+              <a:t>个</a:t>
+            </a:r>
+            <a:endParaRPr lang="zh-CN" altLang="en-US" dirty="0"/>
+          </a:p>
+          <a:p>
+            <a:pPr lvl="1"/>
+            <a:r>
+              <a:rPr lang="zh-CN" altLang="en-US" dirty="0"/>
+              <a:t>具体为：</a:t>
+            </a:r>
+            <a:endParaRPr lang="zh-CN" altLang="en-US" dirty="0"/>
+          </a:p>
+          <a:p>
+            <a:pPr lvl="2"/>
+            <a:endParaRPr lang="zh-CN" altLang="en-US" dirty="0"/>
+          </a:p>
+        </p:txBody>
+      </p:sp>
+      <p:sp>
+        <p:nvSpPr>
+          <p:cNvPr id="5" name="标题 4"/>
+          <p:cNvSpPr>
+            <a:spLocks noGrp="1"/>
+          </p:cNvSpPr>
+          <p:nvPr>
+            <p:ph type="title"/>
+            <p:custDataLst>
+              <p:tags r:id="rId3"/>
+            </p:custDataLst>
+          </p:nvPr>
+        </p:nvSpPr>
+        <p:spPr>
+          <a:xfrm>
+            <a:off x="616655" y="608400"/>
+            <a:ext cx="10969200" cy="705600"/>
+          </a:xfrm>
+        </p:spPr>
+        <p:txBody>
+          <a:bodyPr/>
+          <a:lstStyle/>
+          <a:p>
+            <a:r>
+              <a:rPr lang="en-US" altLang="zh-CN">
+                <a:solidFill>
+                  <a:srgbClr val="FF0000"/>
+                </a:solidFill>
+              </a:rPr>
+              <a:t>OBT</a:t>
+            </a:r>
+            <a:r>
+              <a:rPr>
+                <a:solidFill>
+                  <a:srgbClr val="FF0000"/>
+                </a:solidFill>
+              </a:rPr>
+              <a:t>上线前发现的问题</a:t>
+            </a:r>
+            <a:r>
+              <a:rPr lang="en-US" altLang="zh-CN">
+                <a:solidFill>
+                  <a:srgbClr val="FF0000"/>
+                </a:solidFill>
+              </a:rPr>
+              <a:t>*</a:t>
+            </a:r>
+            <a:endParaRPr lang="en-US" altLang="zh-CN">
+              <a:solidFill>
+                <a:srgbClr val="FF0000"/>
+              </a:solidFill>
+            </a:endParaRPr>
+          </a:p>
+        </p:txBody>
+      </p:sp>
+      <p:cxnSp>
+        <p:nvCxnSpPr>
+          <p:cNvPr id="7" name="直接连接符 6"/>
+          <p:cNvCxnSpPr/>
+          <p:nvPr>
+            <p:custDataLst>
+              <p:tags r:id="rId4"/>
+            </p:custDataLst>
+          </p:nvPr>
+        </p:nvCxnSpPr>
+        <p:spPr>
+          <a:xfrm>
+            <a:off x="6098400" y="1501200"/>
+            <a:ext cx="0" cy="4748400"/>
+          </a:xfrm>
+          <a:prstGeom prst="line">
+            <a:avLst/>
+          </a:prstGeom>
+          <a:ln w="12700">
+            <a:solidFill>
+              <a:schemeClr val="bg1">
+                <a:lumMod val="85000"/>
+              </a:schemeClr>
+            </a:solidFill>
+            <a:prstDash val="dash"/>
+          </a:ln>
+        </p:spPr>
+        <p:style>
+          <a:lnRef idx="1">
+            <a:schemeClr val="accent1"/>
+          </a:lnRef>
+          <a:fillRef idx="0">
+            <a:schemeClr val="accent1"/>
+          </a:fillRef>
+          <a:effectRef idx="0">
+            <a:schemeClr val="accent1"/>
+          </a:effectRef>
+          <a:fontRef idx="minor">
+            <a:schemeClr val="tx1"/>
+          </a:fontRef>
+        </p:style>
+      </p:cxnSp>
+    </p:spTree>
+    <p:custDataLst>
+      <p:tags r:id="rId5"/>
+    </p:custDataLst>
+  </p:cSld>
+  <p:clrMapOvr>
+    <a:masterClrMapping/>
+  </p:clrMapOvr>
+</p:sld>
+</file>
+
+<file path=ppt/slides/slide6.xml><?xml version="1.0" encoding="utf-8"?>
+<p:sld xmlns:a="http://schemas.openxmlformats.org/drawingml/2006/main" xmlns:r="http://schemas.openxmlformats.org/officeDocument/2006/relationships" xmlns:p="http://schemas.openxmlformats.org/presentationml/2006/main">
+  <p:cSld>
+    <p:spTree>
+      <p:nvGrpSpPr>
+        <p:cNvPr id="1" name=""/>
+        <p:cNvGrpSpPr/>
+        <p:nvPr/>
+      </p:nvGrpSpPr>
+      <p:grpSpPr>
+        <a:xfrm>
+          <a:off x="0" y="0"/>
+          <a:ext cx="0" cy="0"/>
+          <a:chOff x="0" y="0"/>
+          <a:chExt cx="0" cy="0"/>
+        </a:xfrm>
+      </p:grpSpPr>
+      <p:sp>
+        <p:nvSpPr>
+          <p:cNvPr id="3" name="标题 2"/>
+          <p:cNvSpPr>
+            <a:spLocks noGrp="1"/>
+          </p:cNvSpPr>
+          <p:nvPr>
+            <p:ph type="title"/>
+            <p:custDataLst>
+              <p:tags r:id="rId1"/>
+            </p:custDataLst>
+          </p:nvPr>
+        </p:nvSpPr>
+        <p:spPr/>
+        <p:txBody>
+          <a:bodyPr/>
+          <a:lstStyle/>
+          <a:p>
+            <a:r>
+              <a:rPr lang="zh-CN" altLang="en-US"/>
+              <a:t>归纳、沉淀</a:t>
+            </a:r>
+            <a:endParaRPr lang="en-US" altLang="zh-CN"/>
+          </a:p>
+        </p:txBody>
+      </p:sp>
+      <p:sp>
+        <p:nvSpPr>
+          <p:cNvPr id="2" name="内容占位符 1"/>
+          <p:cNvSpPr>
+            <a:spLocks noGrp="1"/>
+          </p:cNvSpPr>
+          <p:nvPr>
+            <p:ph idx="1"/>
+            <p:custDataLst>
+              <p:tags r:id="rId2"/>
+            </p:custDataLst>
+          </p:nvPr>
+        </p:nvSpPr>
+        <p:spPr>
+          <a:xfrm>
+            <a:off x="608400" y="1490400"/>
+            <a:ext cx="10969200" cy="4759200"/>
+          </a:xfrm>
+        </p:spPr>
+        <p:txBody>
+          <a:bodyPr/>
+          <a:lstStyle/>
+          <a:p>
+            <a:r>
+              <a:rPr lang="zh-CN" altLang="en-US" dirty="0"/>
+              <a:t>流程的制定，在于制造满意的结，但流程需要不断完善、细化、结合业务实际；</a:t>
+            </a:r>
+            <a:endParaRPr lang="zh-CN" altLang="en-US" dirty="0"/>
+          </a:p>
+          <a:p>
+            <a:r>
+              <a:rPr lang="zh-CN" altLang="en-US" dirty="0"/>
+              <a:t>眼光不应局限于本部门的小目标，而要关注整个</a:t>
+            </a:r>
+            <a:r>
+              <a:rPr lang="en-US" altLang="zh-CN" dirty="0"/>
+              <a:t>QA</a:t>
+            </a:r>
+            <a:r>
+              <a:rPr dirty="0"/>
+              <a:t>的目标</a:t>
+            </a:r>
+            <a:r>
+              <a:rPr lang="en-US" altLang="zh-CN" dirty="0"/>
+              <a:t>;</a:t>
+            </a:r>
+            <a:endParaRPr dirty="0"/>
+          </a:p>
+          <a:p>
+            <a:r>
+              <a:rPr dirty="0"/>
+              <a:t>游戏的问题、</a:t>
+            </a:r>
+            <a:r>
+              <a:rPr lang="en-US" altLang="zh-CN" dirty="0"/>
+              <a:t>LCM</a:t>
+            </a:r>
+            <a:r>
+              <a:rPr dirty="0"/>
+              <a:t>的问题，归根结底都是产品的问题；</a:t>
+            </a:r>
+            <a:endParaRPr dirty="0"/>
+          </a:p>
+          <a:p>
+            <a:r>
+              <a:rPr dirty="0"/>
+              <a:t>原先关注重点仅限于</a:t>
+            </a:r>
+            <a:r>
+              <a:rPr lang="en-US" altLang="zh-CN" dirty="0"/>
+              <a:t>LCM</a:t>
+            </a:r>
+            <a:r>
+              <a:rPr dirty="0"/>
+              <a:t>的思维模式需要转变，</a:t>
+            </a:r>
+            <a:r>
+              <a:rPr lang="en-US" altLang="zh-CN" dirty="0"/>
+              <a:t>QA</a:t>
+            </a:r>
+            <a:r>
+              <a:rPr dirty="0"/>
+              <a:t>部门共同的目标是保证游戏的正常运行；</a:t>
+            </a:r>
+            <a:endParaRPr dirty="0"/>
+          </a:p>
+          <a:p>
+            <a:r>
+              <a:rPr dirty="0"/>
+              <a:t>测试流程应将游戏中部分的内容囊括其中，以保证</a:t>
+            </a:r>
+            <a:r>
+              <a:rPr lang="en-US" altLang="zh-CN" dirty="0"/>
+              <a:t>LCM</a:t>
+            </a:r>
+            <a:r>
+              <a:rPr dirty="0"/>
+              <a:t>不止能够在</a:t>
+            </a:r>
+            <a:r>
+              <a:rPr lang="en-US" altLang="zh-CN" dirty="0"/>
+              <a:t>demo</a:t>
+            </a:r>
+            <a:r>
+              <a:rPr dirty="0"/>
+              <a:t>中正常运行。</a:t>
+            </a:r>
+            <a:endParaRPr dirty="0"/>
+          </a:p>
+          <a:p>
+            <a:r>
+              <a:rPr dirty="0">
+                <a:solidFill>
+                  <a:srgbClr val="FF0000"/>
+                </a:solidFill>
+              </a:rPr>
+              <a:t>游戏公司的根本目标是保证游戏的顺利上线以及大热大卖，是所有工作的基石和根本。</a:t>
+            </a:r>
+            <a:endParaRPr dirty="0">
+              <a:solidFill>
+                <a:srgbClr val="FF0000"/>
+              </a:solidFill>
+            </a:endParaRPr>
+          </a:p>
+          <a:p>
+            <a:r>
+              <a:rPr dirty="0"/>
+              <a:t>公司游戏未来的发行将面向全球更多的国家和地区，</a:t>
+            </a:r>
+            <a:r>
+              <a:rPr lang="en-US" altLang="zh-CN" dirty="0"/>
+              <a:t>SDK</a:t>
+            </a:r>
+            <a:r>
+              <a:rPr dirty="0"/>
+              <a:t>测试流程覆盖</a:t>
+            </a:r>
+            <a:r>
+              <a:rPr lang="en-US" altLang="zh-CN" dirty="0"/>
+              <a:t>demo</a:t>
+            </a:r>
+            <a:r>
+              <a:rPr dirty="0"/>
+              <a:t>和游戏势在必行。</a:t>
+            </a:r>
+            <a:endParaRPr dirty="0"/>
+          </a:p>
+          <a:p>
+            <a:endParaRPr dirty="0"/>
+          </a:p>
+        </p:txBody>
+      </p:sp>
+    </p:spTree>
+    <p:custDataLst>
+      <p:tags r:id="rId3"/>
+    </p:custDataLst>
+  </p:cSld>
+  <p:clrMapOvr>
+    <a:masterClrMapping/>
+  </p:clrMapOvr>
+</p:sld>
+</file>
+
+<file path=ppt/slides/slide7.xml><?xml version="1.0" encoding="utf-8"?>
+<p:sld xmlns:a="http://schemas.openxmlformats.org/drawingml/2006/main" xmlns:r="http://schemas.openxmlformats.org/officeDocument/2006/relationships" xmlns:p="http://schemas.openxmlformats.org/presentationml/2006/main">
+  <p:cSld>
+    <p:spTree>
+      <p:nvGrpSpPr>
+        <p:cNvPr id="1" name=""/>
+        <p:cNvGrpSpPr/>
+        <p:nvPr/>
+      </p:nvGrpSpPr>
+      <p:grpSpPr>
+        <a:xfrm>
+          <a:off x="0" y="0"/>
+          <a:ext cx="0" cy="0"/>
+          <a:chOff x="0" y="0"/>
+          <a:chExt cx="0" cy="0"/>
+        </a:xfrm>
+      </p:grpSpPr>
+      <p:sp>
+        <p:nvSpPr>
+          <p:cNvPr id="3" name="标题 2"/>
+          <p:cNvSpPr>
+            <a:spLocks noGrp="1"/>
+          </p:cNvSpPr>
+          <p:nvPr>
+            <p:ph type="title"/>
+            <p:custDataLst>
+              <p:tags r:id="rId1"/>
+            </p:custDataLst>
+          </p:nvPr>
+        </p:nvSpPr>
+        <p:spPr/>
+        <p:txBody>
+          <a:bodyPr/>
+          <a:lstStyle/>
+          <a:p>
+            <a:r>
+              <a:rPr lang="zh-CN" altLang="en-US"/>
+              <a:t>二、性能测试优化总结与复盘</a:t>
+            </a:r>
+            <a:endParaRPr lang="zh-CN" altLang="en-US"/>
+          </a:p>
+        </p:txBody>
+      </p:sp>
+      <p:sp>
+        <p:nvSpPr>
+          <p:cNvPr id="2" name="内容占位符 1"/>
+          <p:cNvSpPr>
+            <a:spLocks noGrp="1"/>
+          </p:cNvSpPr>
+          <p:nvPr>
+            <p:ph idx="1"/>
+            <p:custDataLst>
+              <p:tags r:id="rId2"/>
+            </p:custDataLst>
+          </p:nvPr>
+        </p:nvSpPr>
+        <p:spPr/>
+        <p:txBody>
+          <a:bodyPr/>
+          <a:lstStyle/>
+          <a:p>
+            <a:r>
+              <a:rPr dirty="0"/>
+              <a:t>早期性能测试的覆盖范围仅包含：，在结果上差强人意，但不够严谨合理；</a:t>
+            </a:r>
+            <a:endParaRPr dirty="0"/>
+          </a:p>
+          <a:p>
+            <a:r>
+              <a:rPr dirty="0"/>
+              <a:t>在原本性能测试框架下的结果：</a:t>
+            </a:r>
+            <a:endParaRPr dirty="0"/>
+          </a:p>
+          <a:p>
+            <a:endParaRPr dirty="0"/>
+          </a:p>
+        </p:txBody>
+      </p:sp>
+    </p:spTree>
+    <p:custDataLst>
+      <p:tags r:id="rId3"/>
+    </p:custDataLst>
+  </p:cSld>
+  <p:clrMapOvr>
+    <a:masterClrMapping/>
+  </p:clrMapOvr>
+</p:sld>
+</file>
+
+<file path=ppt/slides/slide8.xml><?xml version="1.0" encoding="utf-8"?>
+<p:sld xmlns:a="http://schemas.openxmlformats.org/drawingml/2006/main" xmlns:r="http://schemas.openxmlformats.org/officeDocument/2006/relationships" xmlns:p="http://schemas.openxmlformats.org/presentationml/2006/main">
+  <p:cSld>
+    <p:spTree>
+      <p:nvGrpSpPr>
+        <p:cNvPr id="1" name=""/>
+        <p:cNvGrpSpPr/>
+        <p:nvPr/>
+      </p:nvGrpSpPr>
+      <p:grpSpPr>
+        <a:xfrm>
+          <a:off x="0" y="0"/>
+          <a:ext cx="0" cy="0"/>
+          <a:chOff x="0" y="0"/>
+          <a:chExt cx="0" cy="0"/>
+        </a:xfrm>
+      </p:grpSpPr>
+      <p:sp>
+        <p:nvSpPr>
+          <p:cNvPr id="3" name="内容占位符 2"/>
+          <p:cNvSpPr>
+            <a:spLocks noGrp="1"/>
+          </p:cNvSpPr>
+          <p:nvPr>
+            <p:ph sz="half" idx="1"/>
+            <p:custDataLst>
+              <p:tags r:id="rId1"/>
+            </p:custDataLst>
+          </p:nvPr>
+        </p:nvSpPr>
+        <p:spPr>
+          <a:xfrm>
+            <a:off x="608400" y="1501200"/>
+            <a:ext cx="5176800" cy="4748400"/>
+          </a:xfrm>
+        </p:spPr>
+        <p:txBody>
+          <a:bodyPr/>
+          <a:lstStyle/>
+          <a:p>
+            <a:r>
+              <a:rPr lang="zh-CN" altLang="en-US" dirty="0"/>
+              <a:t>实现</a:t>
+            </a:r>
+            <a:r>
+              <a:rPr lang="en-US" altLang="zh-CN" dirty="0"/>
+              <a:t>LCM</a:t>
+            </a:r>
+            <a:r>
+              <a:rPr dirty="0"/>
+              <a:t>接口全覆盖</a:t>
+            </a:r>
+            <a:endParaRPr dirty="0"/>
+          </a:p>
+          <a:p>
+            <a:endParaRPr dirty="0"/>
+          </a:p>
+          <a:p>
+            <a:r>
+              <a:rPr lang="en-US" altLang="zh-CN" dirty="0"/>
+              <a:t>OBT</a:t>
+            </a:r>
+            <a:r>
+              <a:rPr dirty="0"/>
+              <a:t>上线测试前的性能测试</a:t>
+            </a:r>
+            <a:endParaRPr dirty="0"/>
+          </a:p>
+          <a:p>
+            <a:endParaRPr dirty="0"/>
+          </a:p>
+          <a:p>
+            <a:endParaRPr dirty="0"/>
+          </a:p>
+          <a:p>
+            <a:endParaRPr dirty="0"/>
+          </a:p>
+        </p:txBody>
+      </p:sp>
+      <p:sp>
+        <p:nvSpPr>
+          <p:cNvPr id="4" name="内容占位符 3"/>
+          <p:cNvSpPr>
+            <a:spLocks noGrp="1"/>
+          </p:cNvSpPr>
+          <p:nvPr>
+            <p:ph sz="half" idx="2"/>
+            <p:custDataLst>
+              <p:tags r:id="rId2"/>
+            </p:custDataLst>
+          </p:nvPr>
+        </p:nvSpPr>
+        <p:spPr/>
+        <p:txBody>
+          <a:bodyPr/>
+          <a:lstStyle/>
+          <a:p>
+            <a:r>
+              <a:rPr lang="zh-CN" altLang="en-US" dirty="0"/>
+              <a:t>覆盖范围：</a:t>
+            </a:r>
+            <a:endParaRPr lang="zh-CN" altLang="en-US" dirty="0"/>
+          </a:p>
+        </p:txBody>
+      </p:sp>
+      <p:sp>
+        <p:nvSpPr>
+          <p:cNvPr id="5" name="标题 4"/>
+          <p:cNvSpPr>
+            <a:spLocks noGrp="1"/>
+          </p:cNvSpPr>
+          <p:nvPr>
+            <p:ph type="title"/>
+            <p:custDataLst>
+              <p:tags r:id="rId3"/>
+            </p:custDataLst>
+          </p:nvPr>
+        </p:nvSpPr>
+        <p:spPr/>
+        <p:txBody>
+          <a:bodyPr/>
+          <a:lstStyle/>
+          <a:p>
+            <a:r>
+              <a:rPr lang="zh-CN" altLang="en-US"/>
+              <a:t>性能测试流程优化及产出</a:t>
+            </a:r>
+            <a:r>
+              <a:rPr lang="en-US" altLang="zh-CN"/>
+              <a:t>	</a:t>
+            </a:r>
+            <a:endParaRPr lang="en-US" altLang="zh-CN"/>
+          </a:p>
+        </p:txBody>
+      </p:sp>
+      <p:cxnSp>
+        <p:nvCxnSpPr>
+          <p:cNvPr id="7" name="直接连接符 6"/>
+          <p:cNvCxnSpPr/>
+          <p:nvPr>
+            <p:custDataLst>
+              <p:tags r:id="rId4"/>
+            </p:custDataLst>
+          </p:nvPr>
+        </p:nvCxnSpPr>
+        <p:spPr>
+          <a:xfrm>
+            <a:off x="6098400" y="1501200"/>
+            <a:ext cx="0" cy="4748400"/>
+          </a:xfrm>
+          <a:prstGeom prst="line">
+            <a:avLst/>
+          </a:prstGeom>
+          <a:ln w="12700">
+            <a:solidFill>
+              <a:schemeClr val="bg1">
+                <a:lumMod val="85000"/>
+              </a:schemeClr>
+            </a:solidFill>
+            <a:prstDash val="dash"/>
+          </a:ln>
+        </p:spPr>
+        <p:style>
+          <a:lnRef idx="1">
+            <a:schemeClr val="accent1"/>
+          </a:lnRef>
+          <a:fillRef idx="0">
+            <a:schemeClr val="accent1"/>
+          </a:fillRef>
+          <a:effectRef idx="0">
+            <a:schemeClr val="accent1"/>
+          </a:effectRef>
+          <a:fontRef idx="minor">
+            <a:schemeClr val="tx1"/>
+          </a:fontRef>
+        </p:style>
+      </p:cxnSp>
+    </p:spTree>
+    <p:custDataLst>
+      <p:tags r:id="rId5"/>
+    </p:custDataLst>
+  </p:cSld>
+  <p:clrMapOvr>
+    <a:masterClrMapping/>
+  </p:clrMapOvr>
+</p:sld>
+</file>
+
+<file path=ppt/slides/slide9.xml><?xml version="1.0" encoding="utf-8"?>
+<p:sld xmlns:a="http://schemas.openxmlformats.org/drawingml/2006/main" xmlns:r="http://schemas.openxmlformats.org/officeDocument/2006/relationships" xmlns:p="http://schemas.openxmlformats.org/presentationml/2006/main">
+  <p:cSld>
+    <p:spTree>
+      <p:nvGrpSpPr>
+        <p:cNvPr id="1" name=""/>
+        <p:cNvGrpSpPr/>
+        <p:nvPr/>
+      </p:nvGrpSpPr>
+      <p:grpSpPr>
+        <a:xfrm>
+          <a:off x="0" y="0"/>
+          <a:ext cx="0" cy="0"/>
+          <a:chOff x="0" y="0"/>
+          <a:chExt cx="0" cy="0"/>
+        </a:xfrm>
+      </p:grpSpPr>
+      <p:sp>
+        <p:nvSpPr>
+          <p:cNvPr id="3" name="标题 2"/>
+          <p:cNvSpPr>
+            <a:spLocks noGrp="1"/>
+          </p:cNvSpPr>
+          <p:nvPr>
+            <p:ph type="title"/>
+            <p:custDataLst>
+              <p:tags r:id="rId1"/>
+            </p:custDataLst>
+          </p:nvPr>
+        </p:nvSpPr>
+        <p:spPr/>
+        <p:txBody>
+          <a:bodyPr/>
+          <a:lstStyle/>
+          <a:p>
+            <a:r>
+              <a:rPr lang="zh-CN" altLang="en-US"/>
+              <a:t>单击此处添加标题</a:t>
+            </a:r>
+            <a:endParaRPr lang="zh-CN" altLang="en-US"/>
+          </a:p>
+        </p:txBody>
+      </p:sp>
+      <p:sp>
+        <p:nvSpPr>
+          <p:cNvPr id="2" name="内容占位符 1"/>
+          <p:cNvSpPr>
+            <a:spLocks noGrp="1"/>
+          </p:cNvSpPr>
+          <p:nvPr>
+            <p:ph idx="1"/>
+            <p:custDataLst>
+              <p:tags r:id="rId2"/>
+            </p:custDataLst>
+          </p:nvPr>
+        </p:nvSpPr>
+        <p:spPr/>
+        <p:txBody>
+          <a:bodyPr/>
+          <a:lstStyle/>
+          <a:p>
+            <a:r>
+              <a:rPr lang="zh-CN" altLang="en-US" dirty="0"/>
+              <a:t>单击此处添加正文</a:t>
+            </a:r>
+            <a:endParaRPr lang="zh-CN" altLang="en-US" dirty="0"/>
+          </a:p>
+        </p:txBody>
+      </p:sp>
+    </p:spTree>
+    <p:custDataLst>
+      <p:tags r:id="rId3"/>
+    </p:custDataLst>
+  </p:cSld>
+  <p:clrMapOvr>
+    <a:masterClrMapping/>
+  </p:clrMapOvr>
+</p:sld>
+</file>
+
 <file path=ppt/tags/tag1.xml><?xml version="1.0" encoding="utf-8"?>
 <p:tagLst xmlns:p="http://schemas.openxmlformats.org/presentationml/2006/main">
   <p:tag name="KSO_WM_UNIT_HIGHLIGHT" val="0"/>
@@ -5554,6 +6721,49 @@
   <p:tag name="KSO_WM_UNIT_LAYERLEVEL" val="1"/>
   <p:tag name="KSO_WM_TAG_VERSION" val="1.0"/>
   <p:tag name="KSO_WM_BEAUTIFY_FLAG" val="#wm#"/>
+</p:tagLst>
+</file>
+
+<file path=ppt/tags/tag100.xml><?xml version="1.0" encoding="utf-8"?>
+<p:tagLst xmlns:p="http://schemas.openxmlformats.org/presentationml/2006/main">
+  <p:tag name="KSO_WM_UNIT_PRESET_TEXT" val="单击此处添加正文"/>
+  <p:tag name="KSO_WM_UNIT_NOCLEAR" val="0"/>
+  <p:tag name="KSO_WM_UNIT_SHOW_EDIT_AREA_INDICATION" val="1"/>
+  <p:tag name="KSO_WM_UNIT_VALUE" val="689"/>
+  <p:tag name="KSO_WM_UNIT_HIGHLIGHT" val="0"/>
+  <p:tag name="KSO_WM_UNIT_COMPATIBLE" val="0"/>
+  <p:tag name="KSO_WM_UNIT_DIAGRAM_ISNUMVISUAL" val="0"/>
+  <p:tag name="KSO_WM_UNIT_DIAGRAM_ISREFERUNIT" val="0"/>
+  <p:tag name="KSO_WM_UNIT_TYPE" val="f"/>
+  <p:tag name="KSO_WM_UNIT_INDEX" val="1"/>
+  <p:tag name="KSO_WM_UNIT_ID" val="custom20205176_13*f*1"/>
+  <p:tag name="KSO_WM_TEMPLATE_CATEGORY" val="custom"/>
+  <p:tag name="KSO_WM_TEMPLATE_INDEX" val="20205176"/>
+  <p:tag name="KSO_WM_UNIT_LAYERLEVEL" val="1"/>
+  <p:tag name="KSO_WM_TAG_VERSION" val="1.0"/>
+  <p:tag name="KSO_WM_BEAUTIFY_FLAG" val="#wm#"/>
+</p:tagLst>
+</file>
+
+<file path=ppt/tags/tag101.xml><?xml version="1.0" encoding="utf-8"?>
+<p:tagLst xmlns:p="http://schemas.openxmlformats.org/presentationml/2006/main">
+  <p:tag name="KSO_WM_BEAUTIFY_FLAG" val="#wm#"/>
+  <p:tag name="KSO_WM_TEMPLATE_CATEGORY" val="custom"/>
+  <p:tag name="KSO_WM_TEMPLATE_INDEX" val="20205176"/>
+  <p:tag name="KSO_WM_SLIDE_ID" val="custom20205176_13"/>
+  <p:tag name="KSO_WM_TEMPLATE_SUBCATEGORY" val="19"/>
+  <p:tag name="KSO_WM_TEMPLATE_MASTER_TYPE" val="0"/>
+  <p:tag name="KSO_WM_TEMPLATE_COLOR_TYPE" val="1"/>
+  <p:tag name="KSO_WM_SLIDE_ITEM_CNT" val="0"/>
+  <p:tag name="KSO_WM_SLIDE_INDEX" val="13"/>
+  <p:tag name="KSO_WM_TAG_VERSION" val="1.0"/>
+  <p:tag name="KSO_WM_SLIDE_TYPE" val="text"/>
+  <p:tag name="KSO_WM_SLIDE_SUBTYPE" val="pureTxt"/>
+  <p:tag name="KSO_WM_SLIDE_SIZE" val="863*444"/>
+  <p:tag name="KSO_WM_SLIDE_POSITION" val="47*47"/>
+  <p:tag name="KSO_WM_SLIDE_LAYOUT" val="a_f"/>
+  <p:tag name="KSO_WM_SLIDE_LAYOUT_CNT" val="1_1"/>
+  <p:tag name="KSO_WM_UNIT_SHOW_EDIT_AREA_INDICATION" val="1"/>
 </p:tagLst>
 </file>
 
@@ -6479,27 +7689,6 @@
   <p:tag name="KSO_WM_UNIT_DIAGRAM_ISNUMVISUAL" val="0"/>
   <p:tag name="KSO_WM_UNIT_DIAGRAM_ISREFERUNIT" val="0"/>
   <p:tag name="KSO_WM_DIAGRAM_GROUP_CODE" val="l1-1"/>
-  <p:tag name="KSO_WM_UNIT_TYPE" val="l_h_i"/>
-  <p:tag name="KSO_WM_UNIT_INDEX" val="1_4_1"/>
-  <p:tag name="KSO_WM_UNIT_ID" val="custom20205176_4*l_h_i*1_4_1"/>
-  <p:tag name="KSO_WM_TEMPLATE_CATEGORY" val="custom"/>
-  <p:tag name="KSO_WM_TEMPLATE_INDEX" val="20205176"/>
-  <p:tag name="KSO_WM_UNIT_LAYERLEVEL" val="1_1_1"/>
-  <p:tag name="KSO_WM_TAG_VERSION" val="1.0"/>
-  <p:tag name="KSO_WM_BEAUTIFY_FLAG" val="#wm#"/>
-  <p:tag name="KSO_WM_UNIT_TEXT_FILL_FORE_SCHEMECOLOR_INDEX" val="13"/>
-  <p:tag name="KSO_WM_UNIT_TEXT_FILL_TYPE" val="1"/>
-  <p:tag name="KSO_WM_UNIT_USESOURCEFORMAT_APPLY" val="0"/>
-</p:tagLst>
-</file>
-
-<file path=ppt/tags/tag71.xml><?xml version="1.0" encoding="utf-8"?>
-<p:tagLst xmlns:p="http://schemas.openxmlformats.org/presentationml/2006/main">
-  <p:tag name="KSO_WM_UNIT_HIGHLIGHT" val="0"/>
-  <p:tag name="KSO_WM_UNIT_COMPATIBLE" val="0"/>
-  <p:tag name="KSO_WM_UNIT_DIAGRAM_ISNUMVISUAL" val="0"/>
-  <p:tag name="KSO_WM_UNIT_DIAGRAM_ISREFERUNIT" val="0"/>
-  <p:tag name="KSO_WM_DIAGRAM_GROUP_CODE" val="l1-1"/>
   <p:tag name="KSO_WM_UNIT_TYPE" val="i"/>
   <p:tag name="KSO_WM_UNIT_INDEX" val="2"/>
   <p:tag name="KSO_WM_UNIT_ID" val="custom20205176_4*i*2"/>
@@ -6514,7 +7703,7 @@
 </p:tagLst>
 </file>
 
-<file path=ppt/tags/tag72.xml><?xml version="1.0" encoding="utf-8"?>
+<file path=ppt/tags/tag71.xml><?xml version="1.0" encoding="utf-8"?>
 <p:tagLst xmlns:p="http://schemas.openxmlformats.org/presentationml/2006/main">
   <p:tag name="KSO_WM_UNIT_ISCONTENTSTITLE" val="1"/>
   <p:tag name="KSO_WM_UNIT_PRESET_TEXT" val="目录"/>
@@ -6540,7 +7729,7 @@
 </p:tagLst>
 </file>
 
-<file path=ppt/tags/tag73.xml><?xml version="1.0" encoding="utf-8"?>
+<file path=ppt/tags/tag72.xml><?xml version="1.0" encoding="utf-8"?>
 <p:tagLst xmlns:p="http://schemas.openxmlformats.org/presentationml/2006/main">
   <p:tag name="KSO_WM_UNIT_ISCONTENTSTITLE" val="0"/>
   <p:tag name="KSO_WM_UNIT_PRESET_TEXT" val="CONTENTS"/>
@@ -6566,7 +7755,7 @@
 </p:tagLst>
 </file>
 
-<file path=ppt/tags/tag74.xml><?xml version="1.0" encoding="utf-8"?>
+<file path=ppt/tags/tag73.xml><?xml version="1.0" encoding="utf-8"?>
 <p:tagLst xmlns:p="http://schemas.openxmlformats.org/presentationml/2006/main">
   <p:tag name="KSO_WM_UNIT_HIGHLIGHT" val="0"/>
   <p:tag name="KSO_WM_UNIT_COMPATIBLE" val="0"/>
@@ -6589,7 +7778,7 @@
 </p:tagLst>
 </file>
 
-<file path=ppt/tags/tag75.xml><?xml version="1.0" encoding="utf-8"?>
+<file path=ppt/tags/tag74.xml><?xml version="1.0" encoding="utf-8"?>
 <p:tagLst xmlns:p="http://schemas.openxmlformats.org/presentationml/2006/main">
   <p:tag name="KSO_WM_UNIT_ISCONTENTSTITLE" val="0"/>
   <p:tag name="KSO_WM_UNIT_PRESET_TEXT" val="单击输入章节标题......"/>
@@ -6615,7 +7804,7 @@
 </p:tagLst>
 </file>
 
-<file path=ppt/tags/tag76.xml><?xml version="1.0" encoding="utf-8"?>
+<file path=ppt/tags/tag75.xml><?xml version="1.0" encoding="utf-8"?>
 <p:tagLst xmlns:p="http://schemas.openxmlformats.org/presentationml/2006/main">
   <p:tag name="KSO_WM_UNIT_ISCONTENTSTITLE" val="0"/>
   <p:tag name="KSO_WM_UNIT_PRESET_TEXT" val="单击输入章节标题......"/>
@@ -6641,33 +7830,7 @@
 </p:tagLst>
 </file>
 
-<file path=ppt/tags/tag77.xml><?xml version="1.0" encoding="utf-8"?>
-<p:tagLst xmlns:p="http://schemas.openxmlformats.org/presentationml/2006/main">
-  <p:tag name="KSO_WM_UNIT_ISCONTENTSTITLE" val="0"/>
-  <p:tag name="KSO_WM_UNIT_PRESET_TEXT" val="单击输入章节标题......"/>
-  <p:tag name="KSO_WM_UNIT_NOCLEAR" val="0"/>
-  <p:tag name="KSO_WM_UNIT_VALUE" val="30"/>
-  <p:tag name="KSO_WM_UNIT_HIGHLIGHT" val="0"/>
-  <p:tag name="KSO_WM_UNIT_COMPATIBLE" val="0"/>
-  <p:tag name="KSO_WM_UNIT_DIAGRAM_ISNUMVISUAL" val="0"/>
-  <p:tag name="KSO_WM_UNIT_DIAGRAM_ISREFERUNIT" val="0"/>
-  <p:tag name="KSO_WM_DIAGRAM_GROUP_CODE" val="l1-1"/>
-  <p:tag name="KSO_WM_UNIT_TYPE" val="l_h_f"/>
-  <p:tag name="KSO_WM_UNIT_INDEX" val="1_4_1"/>
-  <p:tag name="KSO_WM_UNIT_ID" val="custom20205176_4*l_h_f*1_4_1"/>
-  <p:tag name="KSO_WM_TEMPLATE_CATEGORY" val="custom"/>
-  <p:tag name="KSO_WM_TEMPLATE_INDEX" val="20205176"/>
-  <p:tag name="KSO_WM_UNIT_LAYERLEVEL" val="1_1_1"/>
-  <p:tag name="KSO_WM_TAG_VERSION" val="1.0"/>
-  <p:tag name="KSO_WM_BEAUTIFY_FLAG" val="#wm#"/>
-  <p:tag name="KSO_WM_UNIT_SHOW_EDIT_AREA_INDICATION" val="1"/>
-  <p:tag name="KSO_WM_UNIT_TEXT_FILL_FORE_SCHEMECOLOR_INDEX" val="13"/>
-  <p:tag name="KSO_WM_UNIT_TEXT_FILL_TYPE" val="1"/>
-  <p:tag name="KSO_WM_UNIT_USESOURCEFORMAT_APPLY" val="0"/>
-</p:tagLst>
-</file>
-
-<file path=ppt/tags/tag78.xml><?xml version="1.0" encoding="utf-8"?>
+<file path=ppt/tags/tag76.xml><?xml version="1.0" encoding="utf-8"?>
 <p:tagLst xmlns:p="http://schemas.openxmlformats.org/presentationml/2006/main">
   <p:tag name="KSO_WM_SLIDE_ID" val="custom20205176_4"/>
   <p:tag name="KSO_WM_TEMPLATE_SUBCATEGORY" val="19"/>
@@ -6689,7 +7852,7 @@
 </p:tagLst>
 </file>
 
-<file path=ppt/tags/tag79.xml><?xml version="1.0" encoding="utf-8"?>
+<file path=ppt/tags/tag77.xml><?xml version="1.0" encoding="utf-8"?>
 <p:tagLst xmlns:p="http://schemas.openxmlformats.org/presentationml/2006/main">
   <p:tag name="KSO_WM_UNIT_ISCONTENTSTITLE" val="0"/>
   <p:tag name="KSO_WM_UNIT_PRESET_TEXT" val="单击此处添加标题"/>
@@ -6712,20 +7875,7 @@
 </p:tagLst>
 </file>
 
-<file path=ppt/tags/tag8.xml><?xml version="1.0" encoding="utf-8"?>
-<p:tagLst xmlns:p="http://schemas.openxmlformats.org/presentationml/2006/main">
-  <p:tag name="KSO_WM_UNIT_HIGHLIGHT" val="0"/>
-  <p:tag name="KSO_WM_UNIT_COMPATIBLE" val="0"/>
-  <p:tag name="KSO_WM_UNIT_DIAGRAM_ISNUMVISUAL" val="0"/>
-  <p:tag name="KSO_WM_UNIT_DIAGRAM_ISREFERUNIT" val="0"/>
-  <p:tag name="KSO_WM_UNIT_ID" val="_2**"/>
-  <p:tag name="KSO_WM_UNIT_LAYERLEVEL" val="1"/>
-  <p:tag name="KSO_WM_TAG_VERSION" val="1.0"/>
-  <p:tag name="KSO_WM_BEAUTIFY_FLAG" val="#wm#"/>
-</p:tagLst>
-</file>
-
-<file path=ppt/tags/tag80.xml><?xml version="1.0" encoding="utf-8"?>
+<file path=ppt/tags/tag78.xml><?xml version="1.0" encoding="utf-8"?>
 <p:tagLst xmlns:p="http://schemas.openxmlformats.org/presentationml/2006/main">
   <p:tag name="KSO_WM_UNIT_PRESET_TEXT" val="单击此处添加正文"/>
   <p:tag name="KSO_WM_UNIT_NOCLEAR" val="0"/>
@@ -6746,7 +7896,7 @@
 </p:tagLst>
 </file>
 
-<file path=ppt/tags/tag81.xml><?xml version="1.0" encoding="utf-8"?>
+<file path=ppt/tags/tag79.xml><?xml version="1.0" encoding="utf-8"?>
 <p:tagLst xmlns:p="http://schemas.openxmlformats.org/presentationml/2006/main">
   <p:tag name="KSO_WM_BEAUTIFY_FLAG" val="#wm#"/>
   <p:tag name="KSO_WM_TEMPLATE_CATEGORY" val="custom"/>
@@ -6768,7 +7918,20 @@
 </p:tagLst>
 </file>
 
-<file path=ppt/tags/tag82.xml><?xml version="1.0" encoding="utf-8"?>
+<file path=ppt/tags/tag8.xml><?xml version="1.0" encoding="utf-8"?>
+<p:tagLst xmlns:p="http://schemas.openxmlformats.org/presentationml/2006/main">
+  <p:tag name="KSO_WM_UNIT_HIGHLIGHT" val="0"/>
+  <p:tag name="KSO_WM_UNIT_COMPATIBLE" val="0"/>
+  <p:tag name="KSO_WM_UNIT_DIAGRAM_ISNUMVISUAL" val="0"/>
+  <p:tag name="KSO_WM_UNIT_DIAGRAM_ISREFERUNIT" val="0"/>
+  <p:tag name="KSO_WM_UNIT_ID" val="_2**"/>
+  <p:tag name="KSO_WM_UNIT_LAYERLEVEL" val="1"/>
+  <p:tag name="KSO_WM_TAG_VERSION" val="1.0"/>
+  <p:tag name="KSO_WM_BEAUTIFY_FLAG" val="#wm#"/>
+</p:tagLst>
+</file>
+
+<file path=ppt/tags/tag80.xml><?xml version="1.0" encoding="utf-8"?>
 <p:tagLst xmlns:p="http://schemas.openxmlformats.org/presentationml/2006/main">
   <p:tag name="KSO_WM_UNIT_ISCONTENTSTITLE" val="0"/>
   <p:tag name="KSO_WM_UNIT_PRESET_TEXT" val="单击此处添加标题"/>
@@ -6791,7 +7954,7 @@
 </p:tagLst>
 </file>
 
-<file path=ppt/tags/tag83.xml><?xml version="1.0" encoding="utf-8"?>
+<file path=ppt/tags/tag81.xml><?xml version="1.0" encoding="utf-8"?>
 <p:tagLst xmlns:p="http://schemas.openxmlformats.org/presentationml/2006/main">
   <p:tag name="KSO_WM_UNIT_PRESET_TEXT" val="单击此处添加正文"/>
   <p:tag name="KSO_WM_UNIT_NOCLEAR" val="0"/>
@@ -6812,7 +7975,7 @@
 </p:tagLst>
 </file>
 
-<file path=ppt/tags/tag84.xml><?xml version="1.0" encoding="utf-8"?>
+<file path=ppt/tags/tag82.xml><?xml version="1.0" encoding="utf-8"?>
 <p:tagLst xmlns:p="http://schemas.openxmlformats.org/presentationml/2006/main">
   <p:tag name="KSO_WM_BEAUTIFY_FLAG" val="#wm#"/>
   <p:tag name="KSO_WM_TEMPLATE_CATEGORY" val="custom"/>
@@ -6834,6 +7997,154 @@
 </p:tagLst>
 </file>
 
+<file path=ppt/tags/tag83.xml><?xml version="1.0" encoding="utf-8"?>
+<p:tagLst xmlns:p="http://schemas.openxmlformats.org/presentationml/2006/main">
+  <p:tag name="KSO_WM_UNIT_PRESET_TEXT" val="单击此处添加正文"/>
+  <p:tag name="KSO_WM_UNIT_NOCLEAR" val="0"/>
+  <p:tag name="KSO_WM_UNIT_SHOW_EDIT_AREA_INDICATION" val="1"/>
+  <p:tag name="KSO_WM_UNIT_VALUE" val="336"/>
+  <p:tag name="KSO_WM_UNIT_HIGHLIGHT" val="0"/>
+  <p:tag name="KSO_WM_UNIT_COMPATIBLE" val="0"/>
+  <p:tag name="KSO_WM_UNIT_DIAGRAM_ISNUMVISUAL" val="0"/>
+  <p:tag name="KSO_WM_UNIT_DIAGRAM_ISREFERUNIT" val="0"/>
+  <p:tag name="KSO_WM_UNIT_TYPE" val="f"/>
+  <p:tag name="KSO_WM_UNIT_INDEX" val="1"/>
+  <p:tag name="KSO_WM_UNIT_ID" val="custom20205176_15*f*1"/>
+  <p:tag name="KSO_WM_TEMPLATE_CATEGORY" val="custom"/>
+  <p:tag name="KSO_WM_TEMPLATE_INDEX" val="20205176"/>
+  <p:tag name="KSO_WM_UNIT_LAYERLEVEL" val="1"/>
+  <p:tag name="KSO_WM_TAG_VERSION" val="1.0"/>
+  <p:tag name="KSO_WM_BEAUTIFY_FLAG" val="#wm#"/>
+</p:tagLst>
+</file>
+
+<file path=ppt/tags/tag84.xml><?xml version="1.0" encoding="utf-8"?>
+<p:tagLst xmlns:p="http://schemas.openxmlformats.org/presentationml/2006/main">
+  <p:tag name="KSO_WM_UNIT_PRESET_TEXT" val="单击此处添加正文"/>
+  <p:tag name="KSO_WM_UNIT_NOCLEAR" val="0"/>
+  <p:tag name="KSO_WM_UNIT_SHOW_EDIT_AREA_INDICATION" val="1"/>
+  <p:tag name="KSO_WM_UNIT_VALUE" val="336"/>
+  <p:tag name="KSO_WM_UNIT_HIGHLIGHT" val="0"/>
+  <p:tag name="KSO_WM_UNIT_COMPATIBLE" val="0"/>
+  <p:tag name="KSO_WM_UNIT_DIAGRAM_ISNUMVISUAL" val="0"/>
+  <p:tag name="KSO_WM_UNIT_DIAGRAM_ISREFERUNIT" val="0"/>
+  <p:tag name="KSO_WM_UNIT_TYPE" val="f"/>
+  <p:tag name="KSO_WM_UNIT_INDEX" val="2"/>
+  <p:tag name="KSO_WM_UNIT_ID" val="custom20205176_15*f*2"/>
+  <p:tag name="KSO_WM_TEMPLATE_CATEGORY" val="custom"/>
+  <p:tag name="KSO_WM_TEMPLATE_INDEX" val="20205176"/>
+  <p:tag name="KSO_WM_UNIT_LAYERLEVEL" val="1"/>
+  <p:tag name="KSO_WM_TAG_VERSION" val="1.0"/>
+  <p:tag name="KSO_WM_BEAUTIFY_FLAG" val="#wm#"/>
+</p:tagLst>
+</file>
+
+<file path=ppt/tags/tag85.xml><?xml version="1.0" encoding="utf-8"?>
+<p:tagLst xmlns:p="http://schemas.openxmlformats.org/presentationml/2006/main">
+  <p:tag name="KSO_WM_UNIT_ISCONTENTSTITLE" val="0"/>
+  <p:tag name="KSO_WM_UNIT_PRESET_TEXT" val="单击此处添加标题"/>
+  <p:tag name="KSO_WM_UNIT_NOCLEAR" val="0"/>
+  <p:tag name="KSO_WM_UNIT_SHOW_EDIT_AREA_INDICATION" val="1"/>
+  <p:tag name="KSO_WM_UNIT_VALUE" val="26"/>
+  <p:tag name="KSO_WM_UNIT_HIGHLIGHT" val="0"/>
+  <p:tag name="KSO_WM_UNIT_COMPATIBLE" val="0"/>
+  <p:tag name="KSO_WM_UNIT_DIAGRAM_ISNUMVISUAL" val="0"/>
+  <p:tag name="KSO_WM_UNIT_DIAGRAM_ISREFERUNIT" val="0"/>
+  <p:tag name="KSO_WM_UNIT_TYPE" val="a"/>
+  <p:tag name="KSO_WM_UNIT_INDEX" val="1"/>
+  <p:tag name="KSO_WM_UNIT_ID" val="custom20205176_15*a*1"/>
+  <p:tag name="KSO_WM_TEMPLATE_CATEGORY" val="custom"/>
+  <p:tag name="KSO_WM_TEMPLATE_INDEX" val="20205176"/>
+  <p:tag name="KSO_WM_UNIT_LAYERLEVEL" val="1"/>
+  <p:tag name="KSO_WM_TAG_VERSION" val="1.0"/>
+  <p:tag name="KSO_WM_BEAUTIFY_FLAG" val="#wm#"/>
+  <p:tag name="KSO_WM_UNIT_ISNUMDGMTITLE" val="0"/>
+</p:tagLst>
+</file>
+
+<file path=ppt/tags/tag86.xml><?xml version="1.0" encoding="utf-8"?>
+<p:tagLst xmlns:p="http://schemas.openxmlformats.org/presentationml/2006/main">
+  <p:tag name="KSO_WM_UNIT_HIGHLIGHT" val="0"/>
+  <p:tag name="KSO_WM_UNIT_COMPATIBLE" val="0"/>
+  <p:tag name="KSO_WM_UNIT_DIAGRAM_ISNUMVISUAL" val="0"/>
+  <p:tag name="KSO_WM_UNIT_DIAGRAM_ISREFERUNIT" val="0"/>
+  <p:tag name="KSO_WM_UNIT_ID" val="custom20205176_15*i*1"/>
+  <p:tag name="KSO_WM_UNIT_LAYERLEVEL" val="1"/>
+  <p:tag name="KSO_WM_TAG_VERSION" val="1.0"/>
+  <p:tag name="KSO_WM_BEAUTIFY_FLAG" val="#wm#"/>
+  <p:tag name="KSO_WM_UNIT_TYPE" val="i"/>
+  <p:tag name="KSO_WM_UNIT_INDEX" val="1"/>
+  <p:tag name="KSO_WM_TEMPLATE_CATEGORY" val="custom"/>
+  <p:tag name="KSO_WM_TEMPLATE_INDEX" val="20205176"/>
+</p:tagLst>
+</file>
+
+<file path=ppt/tags/tag87.xml><?xml version="1.0" encoding="utf-8"?>
+<p:tagLst xmlns:p="http://schemas.openxmlformats.org/presentationml/2006/main">
+  <p:tag name="KSO_WM_BEAUTIFY_FLAG" val="#wm#"/>
+  <p:tag name="KSO_WM_TEMPLATE_CATEGORY" val="custom"/>
+  <p:tag name="KSO_WM_TEMPLATE_INDEX" val="20205176"/>
+  <p:tag name="KSO_WM_SLIDE_ID" val="custom20205176_15"/>
+  <p:tag name="KSO_WM_TEMPLATE_SUBCATEGORY" val="19"/>
+  <p:tag name="KSO_WM_TEMPLATE_MASTER_TYPE" val="0"/>
+  <p:tag name="KSO_WM_TEMPLATE_COLOR_TYPE" val="1"/>
+  <p:tag name="KSO_WM_SLIDE_ITEM_CNT" val="0"/>
+  <p:tag name="KSO_WM_SLIDE_INDEX" val="15"/>
+  <p:tag name="KSO_WM_TAG_VERSION" val="1.0"/>
+  <p:tag name="KSO_WM_SLIDE_TYPE" val="text"/>
+  <p:tag name="KSO_WM_SLIDE_SUBTYPE" val="pureTxt"/>
+  <p:tag name="KSO_WM_SLIDE_SIZE" val="864*444"/>
+  <p:tag name="KSO_WM_SLIDE_POSITION" val="47*47"/>
+  <p:tag name="KSO_WM_SLIDE_LAYOUT" val="a_f"/>
+  <p:tag name="KSO_WM_SLIDE_LAYOUT_CNT" val="1_2"/>
+  <p:tag name="KSO_WM_UNIT_SHOW_EDIT_AREA_INDICATION" val="1"/>
+</p:tagLst>
+</file>
+
+<file path=ppt/tags/tag88.xml><?xml version="1.0" encoding="utf-8"?>
+<p:tagLst xmlns:p="http://schemas.openxmlformats.org/presentationml/2006/main">
+  <p:tag name="KSO_WM_UNIT_ISCONTENTSTITLE" val="0"/>
+  <p:tag name="KSO_WM_UNIT_PRESET_TEXT" val="单击此处添加标题"/>
+  <p:tag name="KSO_WM_UNIT_NOCLEAR" val="0"/>
+  <p:tag name="KSO_WM_UNIT_SHOW_EDIT_AREA_INDICATION" val="1"/>
+  <p:tag name="KSO_WM_UNIT_VALUE" val="26"/>
+  <p:tag name="KSO_WM_UNIT_HIGHLIGHT" val="0"/>
+  <p:tag name="KSO_WM_UNIT_COMPATIBLE" val="0"/>
+  <p:tag name="KSO_WM_UNIT_DIAGRAM_ISNUMVISUAL" val="0"/>
+  <p:tag name="KSO_WM_UNIT_DIAGRAM_ISREFERUNIT" val="0"/>
+  <p:tag name="KSO_WM_UNIT_TYPE" val="a"/>
+  <p:tag name="KSO_WM_UNIT_INDEX" val="1"/>
+  <p:tag name="KSO_WM_UNIT_ID" val="custom20205176_13*a*1"/>
+  <p:tag name="KSO_WM_TEMPLATE_CATEGORY" val="custom"/>
+  <p:tag name="KSO_WM_TEMPLATE_INDEX" val="20205176"/>
+  <p:tag name="KSO_WM_UNIT_LAYERLEVEL" val="1"/>
+  <p:tag name="KSO_WM_TAG_VERSION" val="1.0"/>
+  <p:tag name="KSO_WM_BEAUTIFY_FLAG" val="#wm#"/>
+  <p:tag name="KSO_WM_UNIT_ISNUMDGMTITLE" val="0"/>
+</p:tagLst>
+</file>
+
+<file path=ppt/tags/tag89.xml><?xml version="1.0" encoding="utf-8"?>
+<p:tagLst xmlns:p="http://schemas.openxmlformats.org/presentationml/2006/main">
+  <p:tag name="KSO_WM_UNIT_PRESET_TEXT" val="单击此处添加正文"/>
+  <p:tag name="KSO_WM_UNIT_NOCLEAR" val="0"/>
+  <p:tag name="KSO_WM_UNIT_SHOW_EDIT_AREA_INDICATION" val="1"/>
+  <p:tag name="KSO_WM_UNIT_VALUE" val="689"/>
+  <p:tag name="KSO_WM_UNIT_HIGHLIGHT" val="0"/>
+  <p:tag name="KSO_WM_UNIT_COMPATIBLE" val="0"/>
+  <p:tag name="KSO_WM_UNIT_DIAGRAM_ISNUMVISUAL" val="0"/>
+  <p:tag name="KSO_WM_UNIT_DIAGRAM_ISREFERUNIT" val="0"/>
+  <p:tag name="KSO_WM_UNIT_TYPE" val="f"/>
+  <p:tag name="KSO_WM_UNIT_INDEX" val="1"/>
+  <p:tag name="KSO_WM_UNIT_ID" val="custom20205176_13*f*1"/>
+  <p:tag name="KSO_WM_TEMPLATE_CATEGORY" val="custom"/>
+  <p:tag name="KSO_WM_TEMPLATE_INDEX" val="20205176"/>
+  <p:tag name="KSO_WM_UNIT_LAYERLEVEL" val="1"/>
+  <p:tag name="KSO_WM_TAG_VERSION" val="1.0"/>
+  <p:tag name="KSO_WM_BEAUTIFY_FLAG" val="#wm#"/>
+</p:tagLst>
+</file>
+
 <file path=ppt/tags/tag9.xml><?xml version="1.0" encoding="utf-8"?>
 <p:tagLst xmlns:p="http://schemas.openxmlformats.org/presentationml/2006/main">
   <p:tag name="KSO_WM_UNIT_HIGHLIGHT" val="0"/>
@@ -6844,6 +8155,221 @@
   <p:tag name="KSO_WM_UNIT_LAYERLEVEL" val="1"/>
   <p:tag name="KSO_WM_TAG_VERSION" val="1.0"/>
   <p:tag name="KSO_WM_BEAUTIFY_FLAG" val="#wm#"/>
+</p:tagLst>
+</file>
+
+<file path=ppt/tags/tag90.xml><?xml version="1.0" encoding="utf-8"?>
+<p:tagLst xmlns:p="http://schemas.openxmlformats.org/presentationml/2006/main">
+  <p:tag name="KSO_WM_BEAUTIFY_FLAG" val="#wm#"/>
+  <p:tag name="KSO_WM_TEMPLATE_CATEGORY" val="custom"/>
+  <p:tag name="KSO_WM_TEMPLATE_INDEX" val="20205176"/>
+  <p:tag name="KSO_WM_SLIDE_ID" val="custom20205176_13"/>
+  <p:tag name="KSO_WM_TEMPLATE_SUBCATEGORY" val="19"/>
+  <p:tag name="KSO_WM_TEMPLATE_MASTER_TYPE" val="0"/>
+  <p:tag name="KSO_WM_TEMPLATE_COLOR_TYPE" val="1"/>
+  <p:tag name="KSO_WM_SLIDE_ITEM_CNT" val="0"/>
+  <p:tag name="KSO_WM_SLIDE_INDEX" val="13"/>
+  <p:tag name="KSO_WM_TAG_VERSION" val="1.0"/>
+  <p:tag name="KSO_WM_SLIDE_TYPE" val="text"/>
+  <p:tag name="KSO_WM_SLIDE_SUBTYPE" val="pureTxt"/>
+  <p:tag name="KSO_WM_SLIDE_SIZE" val="863*444"/>
+  <p:tag name="KSO_WM_SLIDE_POSITION" val="47*47"/>
+  <p:tag name="KSO_WM_SLIDE_LAYOUT" val="a_f"/>
+  <p:tag name="KSO_WM_SLIDE_LAYOUT_CNT" val="1_1"/>
+  <p:tag name="KSO_WM_UNIT_SHOW_EDIT_AREA_INDICATION" val="1"/>
+</p:tagLst>
+</file>
+
+<file path=ppt/tags/tag91.xml><?xml version="1.0" encoding="utf-8"?>
+<p:tagLst xmlns:p="http://schemas.openxmlformats.org/presentationml/2006/main">
+  <p:tag name="KSO_WM_UNIT_ISCONTENTSTITLE" val="0"/>
+  <p:tag name="KSO_WM_UNIT_PRESET_TEXT" val="单击此处添加标题"/>
+  <p:tag name="KSO_WM_UNIT_NOCLEAR" val="0"/>
+  <p:tag name="KSO_WM_UNIT_SHOW_EDIT_AREA_INDICATION" val="1"/>
+  <p:tag name="KSO_WM_UNIT_VALUE" val="26"/>
+  <p:tag name="KSO_WM_UNIT_HIGHLIGHT" val="0"/>
+  <p:tag name="KSO_WM_UNIT_COMPATIBLE" val="0"/>
+  <p:tag name="KSO_WM_UNIT_DIAGRAM_ISNUMVISUAL" val="0"/>
+  <p:tag name="KSO_WM_UNIT_DIAGRAM_ISREFERUNIT" val="0"/>
+  <p:tag name="KSO_WM_UNIT_TYPE" val="a"/>
+  <p:tag name="KSO_WM_UNIT_INDEX" val="1"/>
+  <p:tag name="KSO_WM_UNIT_ID" val="custom20205176_13*a*1"/>
+  <p:tag name="KSO_WM_TEMPLATE_CATEGORY" val="custom"/>
+  <p:tag name="KSO_WM_TEMPLATE_INDEX" val="20205176"/>
+  <p:tag name="KSO_WM_UNIT_LAYERLEVEL" val="1"/>
+  <p:tag name="KSO_WM_TAG_VERSION" val="1.0"/>
+  <p:tag name="KSO_WM_BEAUTIFY_FLAG" val="#wm#"/>
+  <p:tag name="KSO_WM_UNIT_ISNUMDGMTITLE" val="0"/>
+</p:tagLst>
+</file>
+
+<file path=ppt/tags/tag92.xml><?xml version="1.0" encoding="utf-8"?>
+<p:tagLst xmlns:p="http://schemas.openxmlformats.org/presentationml/2006/main">
+  <p:tag name="KSO_WM_UNIT_PRESET_TEXT" val="单击此处添加正文"/>
+  <p:tag name="KSO_WM_UNIT_NOCLEAR" val="0"/>
+  <p:tag name="KSO_WM_UNIT_SHOW_EDIT_AREA_INDICATION" val="1"/>
+  <p:tag name="KSO_WM_UNIT_VALUE" val="689"/>
+  <p:tag name="KSO_WM_UNIT_HIGHLIGHT" val="0"/>
+  <p:tag name="KSO_WM_UNIT_COMPATIBLE" val="0"/>
+  <p:tag name="KSO_WM_UNIT_DIAGRAM_ISNUMVISUAL" val="0"/>
+  <p:tag name="KSO_WM_UNIT_DIAGRAM_ISREFERUNIT" val="0"/>
+  <p:tag name="KSO_WM_UNIT_TYPE" val="f"/>
+  <p:tag name="KSO_WM_UNIT_INDEX" val="1"/>
+  <p:tag name="KSO_WM_UNIT_ID" val="custom20205176_13*f*1"/>
+  <p:tag name="KSO_WM_TEMPLATE_CATEGORY" val="custom"/>
+  <p:tag name="KSO_WM_TEMPLATE_INDEX" val="20205176"/>
+  <p:tag name="KSO_WM_UNIT_LAYERLEVEL" val="1"/>
+  <p:tag name="KSO_WM_TAG_VERSION" val="1.0"/>
+  <p:tag name="KSO_WM_BEAUTIFY_FLAG" val="#wm#"/>
+</p:tagLst>
+</file>
+
+<file path=ppt/tags/tag93.xml><?xml version="1.0" encoding="utf-8"?>
+<p:tagLst xmlns:p="http://schemas.openxmlformats.org/presentationml/2006/main">
+  <p:tag name="KSO_WM_BEAUTIFY_FLAG" val="#wm#"/>
+  <p:tag name="KSO_WM_TEMPLATE_CATEGORY" val="custom"/>
+  <p:tag name="KSO_WM_TEMPLATE_INDEX" val="20205176"/>
+  <p:tag name="KSO_WM_SLIDE_ID" val="custom20205176_13"/>
+  <p:tag name="KSO_WM_TEMPLATE_SUBCATEGORY" val="19"/>
+  <p:tag name="KSO_WM_TEMPLATE_MASTER_TYPE" val="0"/>
+  <p:tag name="KSO_WM_TEMPLATE_COLOR_TYPE" val="1"/>
+  <p:tag name="KSO_WM_SLIDE_ITEM_CNT" val="0"/>
+  <p:tag name="KSO_WM_SLIDE_INDEX" val="13"/>
+  <p:tag name="KSO_WM_TAG_VERSION" val="1.0"/>
+  <p:tag name="KSO_WM_SLIDE_TYPE" val="text"/>
+  <p:tag name="KSO_WM_SLIDE_SUBTYPE" val="pureTxt"/>
+  <p:tag name="KSO_WM_SLIDE_SIZE" val="863*444"/>
+  <p:tag name="KSO_WM_SLIDE_POSITION" val="47*47"/>
+  <p:tag name="KSO_WM_SLIDE_LAYOUT" val="a_f"/>
+  <p:tag name="KSO_WM_SLIDE_LAYOUT_CNT" val="1_1"/>
+  <p:tag name="KSO_WM_UNIT_SHOW_EDIT_AREA_INDICATION" val="1"/>
+</p:tagLst>
+</file>
+
+<file path=ppt/tags/tag94.xml><?xml version="1.0" encoding="utf-8"?>
+<p:tagLst xmlns:p="http://schemas.openxmlformats.org/presentationml/2006/main">
+  <p:tag name="KSO_WM_UNIT_PRESET_TEXT" val="单击此处添加正文"/>
+  <p:tag name="KSO_WM_UNIT_NOCLEAR" val="0"/>
+  <p:tag name="KSO_WM_UNIT_SHOW_EDIT_AREA_INDICATION" val="1"/>
+  <p:tag name="KSO_WM_UNIT_VALUE" val="336"/>
+  <p:tag name="KSO_WM_UNIT_HIGHLIGHT" val="0"/>
+  <p:tag name="KSO_WM_UNIT_COMPATIBLE" val="0"/>
+  <p:tag name="KSO_WM_UNIT_DIAGRAM_ISNUMVISUAL" val="0"/>
+  <p:tag name="KSO_WM_UNIT_DIAGRAM_ISREFERUNIT" val="0"/>
+  <p:tag name="KSO_WM_UNIT_TYPE" val="f"/>
+  <p:tag name="KSO_WM_UNIT_INDEX" val="1"/>
+  <p:tag name="KSO_WM_UNIT_ID" val="custom20205176_15*f*1"/>
+  <p:tag name="KSO_WM_TEMPLATE_CATEGORY" val="custom"/>
+  <p:tag name="KSO_WM_TEMPLATE_INDEX" val="20205176"/>
+  <p:tag name="KSO_WM_UNIT_LAYERLEVEL" val="1"/>
+  <p:tag name="KSO_WM_TAG_VERSION" val="1.0"/>
+  <p:tag name="KSO_WM_BEAUTIFY_FLAG" val="#wm#"/>
+</p:tagLst>
+</file>
+
+<file path=ppt/tags/tag95.xml><?xml version="1.0" encoding="utf-8"?>
+<p:tagLst xmlns:p="http://schemas.openxmlformats.org/presentationml/2006/main">
+  <p:tag name="KSO_WM_UNIT_PRESET_TEXT" val="单击此处添加正文"/>
+  <p:tag name="KSO_WM_UNIT_NOCLEAR" val="0"/>
+  <p:tag name="KSO_WM_UNIT_SHOW_EDIT_AREA_INDICATION" val="1"/>
+  <p:tag name="KSO_WM_UNIT_VALUE" val="336"/>
+  <p:tag name="KSO_WM_UNIT_HIGHLIGHT" val="0"/>
+  <p:tag name="KSO_WM_UNIT_COMPATIBLE" val="0"/>
+  <p:tag name="KSO_WM_UNIT_DIAGRAM_ISNUMVISUAL" val="0"/>
+  <p:tag name="KSO_WM_UNIT_DIAGRAM_ISREFERUNIT" val="0"/>
+  <p:tag name="KSO_WM_UNIT_TYPE" val="f"/>
+  <p:tag name="KSO_WM_UNIT_INDEX" val="2"/>
+  <p:tag name="KSO_WM_UNIT_ID" val="custom20205176_15*f*2"/>
+  <p:tag name="KSO_WM_TEMPLATE_CATEGORY" val="custom"/>
+  <p:tag name="KSO_WM_TEMPLATE_INDEX" val="20205176"/>
+  <p:tag name="KSO_WM_UNIT_LAYERLEVEL" val="1"/>
+  <p:tag name="KSO_WM_TAG_VERSION" val="1.0"/>
+  <p:tag name="KSO_WM_BEAUTIFY_FLAG" val="#wm#"/>
+</p:tagLst>
+</file>
+
+<file path=ppt/tags/tag96.xml><?xml version="1.0" encoding="utf-8"?>
+<p:tagLst xmlns:p="http://schemas.openxmlformats.org/presentationml/2006/main">
+  <p:tag name="KSO_WM_UNIT_ISCONTENTSTITLE" val="0"/>
+  <p:tag name="KSO_WM_UNIT_PRESET_TEXT" val="单击此处添加标题"/>
+  <p:tag name="KSO_WM_UNIT_NOCLEAR" val="0"/>
+  <p:tag name="KSO_WM_UNIT_SHOW_EDIT_AREA_INDICATION" val="1"/>
+  <p:tag name="KSO_WM_UNIT_VALUE" val="26"/>
+  <p:tag name="KSO_WM_UNIT_HIGHLIGHT" val="0"/>
+  <p:tag name="KSO_WM_UNIT_COMPATIBLE" val="0"/>
+  <p:tag name="KSO_WM_UNIT_DIAGRAM_ISNUMVISUAL" val="0"/>
+  <p:tag name="KSO_WM_UNIT_DIAGRAM_ISREFERUNIT" val="0"/>
+  <p:tag name="KSO_WM_UNIT_TYPE" val="a"/>
+  <p:tag name="KSO_WM_UNIT_INDEX" val="1"/>
+  <p:tag name="KSO_WM_UNIT_ID" val="custom20205176_15*a*1"/>
+  <p:tag name="KSO_WM_TEMPLATE_CATEGORY" val="custom"/>
+  <p:tag name="KSO_WM_TEMPLATE_INDEX" val="20205176"/>
+  <p:tag name="KSO_WM_UNIT_LAYERLEVEL" val="1"/>
+  <p:tag name="KSO_WM_TAG_VERSION" val="1.0"/>
+  <p:tag name="KSO_WM_BEAUTIFY_FLAG" val="#wm#"/>
+  <p:tag name="KSO_WM_UNIT_ISNUMDGMTITLE" val="0"/>
+</p:tagLst>
+</file>
+
+<file path=ppt/tags/tag97.xml><?xml version="1.0" encoding="utf-8"?>
+<p:tagLst xmlns:p="http://schemas.openxmlformats.org/presentationml/2006/main">
+  <p:tag name="KSO_WM_UNIT_HIGHLIGHT" val="0"/>
+  <p:tag name="KSO_WM_UNIT_COMPATIBLE" val="0"/>
+  <p:tag name="KSO_WM_UNIT_DIAGRAM_ISNUMVISUAL" val="0"/>
+  <p:tag name="KSO_WM_UNIT_DIAGRAM_ISREFERUNIT" val="0"/>
+  <p:tag name="KSO_WM_UNIT_ID" val="custom20205176_15*i*1"/>
+  <p:tag name="KSO_WM_UNIT_LAYERLEVEL" val="1"/>
+  <p:tag name="KSO_WM_TAG_VERSION" val="1.0"/>
+  <p:tag name="KSO_WM_BEAUTIFY_FLAG" val="#wm#"/>
+  <p:tag name="KSO_WM_UNIT_TYPE" val="i"/>
+  <p:tag name="KSO_WM_UNIT_INDEX" val="1"/>
+  <p:tag name="KSO_WM_TEMPLATE_CATEGORY" val="custom"/>
+  <p:tag name="KSO_WM_TEMPLATE_INDEX" val="20205176"/>
+</p:tagLst>
+</file>
+
+<file path=ppt/tags/tag98.xml><?xml version="1.0" encoding="utf-8"?>
+<p:tagLst xmlns:p="http://schemas.openxmlformats.org/presentationml/2006/main">
+  <p:tag name="KSO_WM_BEAUTIFY_FLAG" val="#wm#"/>
+  <p:tag name="KSO_WM_TEMPLATE_CATEGORY" val="custom"/>
+  <p:tag name="KSO_WM_TEMPLATE_INDEX" val="20205176"/>
+  <p:tag name="KSO_WM_SLIDE_ID" val="custom20205176_15"/>
+  <p:tag name="KSO_WM_TEMPLATE_SUBCATEGORY" val="19"/>
+  <p:tag name="KSO_WM_TEMPLATE_MASTER_TYPE" val="0"/>
+  <p:tag name="KSO_WM_TEMPLATE_COLOR_TYPE" val="1"/>
+  <p:tag name="KSO_WM_SLIDE_ITEM_CNT" val="0"/>
+  <p:tag name="KSO_WM_SLIDE_INDEX" val="15"/>
+  <p:tag name="KSO_WM_TAG_VERSION" val="1.0"/>
+  <p:tag name="KSO_WM_SLIDE_TYPE" val="text"/>
+  <p:tag name="KSO_WM_SLIDE_SUBTYPE" val="pureTxt"/>
+  <p:tag name="KSO_WM_SLIDE_SIZE" val="864*444"/>
+  <p:tag name="KSO_WM_SLIDE_POSITION" val="47*47"/>
+  <p:tag name="KSO_WM_SLIDE_LAYOUT" val="a_f"/>
+  <p:tag name="KSO_WM_SLIDE_LAYOUT_CNT" val="1_2"/>
+  <p:tag name="KSO_WM_UNIT_SHOW_EDIT_AREA_INDICATION" val="1"/>
+</p:tagLst>
+</file>
+
+<file path=ppt/tags/tag99.xml><?xml version="1.0" encoding="utf-8"?>
+<p:tagLst xmlns:p="http://schemas.openxmlformats.org/presentationml/2006/main">
+  <p:tag name="KSO_WM_UNIT_ISCONTENTSTITLE" val="0"/>
+  <p:tag name="KSO_WM_UNIT_PRESET_TEXT" val="单击此处添加标题"/>
+  <p:tag name="KSO_WM_UNIT_NOCLEAR" val="0"/>
+  <p:tag name="KSO_WM_UNIT_SHOW_EDIT_AREA_INDICATION" val="1"/>
+  <p:tag name="KSO_WM_UNIT_VALUE" val="26"/>
+  <p:tag name="KSO_WM_UNIT_HIGHLIGHT" val="0"/>
+  <p:tag name="KSO_WM_UNIT_COMPATIBLE" val="0"/>
+  <p:tag name="KSO_WM_UNIT_DIAGRAM_ISNUMVISUAL" val="0"/>
+  <p:tag name="KSO_WM_UNIT_DIAGRAM_ISREFERUNIT" val="0"/>
+  <p:tag name="KSO_WM_UNIT_TYPE" val="a"/>
+  <p:tag name="KSO_WM_UNIT_INDEX" val="1"/>
+  <p:tag name="KSO_WM_UNIT_ID" val="custom20205176_13*a*1"/>
+  <p:tag name="KSO_WM_TEMPLATE_CATEGORY" val="custom"/>
+  <p:tag name="KSO_WM_TEMPLATE_INDEX" val="20205176"/>
+  <p:tag name="KSO_WM_UNIT_LAYERLEVEL" val="1"/>
+  <p:tag name="KSO_WM_TAG_VERSION" val="1.0"/>
+  <p:tag name="KSO_WM_BEAUTIFY_FLAG" val="#wm#"/>
+  <p:tag name="KSO_WM_UNIT_ISNUMDGMTITLE" val="0"/>
 </p:tagLst>
 </file>
 
@@ -7044,4 +8570,263 @@
     </a:ext>
   </a:extLst>
 </a:theme>
+</file>
+
+<file path=ppt/theme/theme2.xml><?xml version="1.0" encoding="utf-8"?>
+<a:theme xmlns:a="http://schemas.openxmlformats.org/drawingml/2006/main" name="Office 主题">
+  <a:themeElements>
+    <a:clrScheme name="Office">
+      <a:dk1>
+        <a:sysClr val="windowText" lastClr="000000"/>
+      </a:dk1>
+      <a:lt1>
+        <a:sysClr val="window" lastClr="FFFFFF"/>
+      </a:lt1>
+      <a:dk2>
+        <a:srgbClr val="44546A"/>
+      </a:dk2>
+      <a:lt2>
+        <a:srgbClr val="E7E6E6"/>
+      </a:lt2>
+      <a:accent1>
+        <a:srgbClr val="5B9BD5"/>
+      </a:accent1>
+      <a:accent2>
+        <a:srgbClr val="ED7D31"/>
+      </a:accent2>
+      <a:accent3>
+        <a:srgbClr val="A5A5A5"/>
+      </a:accent3>
+      <a:accent4>
+        <a:srgbClr val="FFC000"/>
+      </a:accent4>
+      <a:accent5>
+        <a:srgbClr val="4472C4"/>
+      </a:accent5>
+      <a:accent6>
+        <a:srgbClr val="70AD47"/>
+      </a:accent6>
+      <a:hlink>
+        <a:srgbClr val="0563C1"/>
+      </a:hlink>
+      <a:folHlink>
+        <a:srgbClr val="954F72"/>
+      </a:folHlink>
+    </a:clrScheme>
+    <a:fontScheme name="Office">
+      <a:majorFont>
+        <a:latin typeface="Calibri Light"/>
+        <a:ea typeface=""/>
+        <a:cs typeface=""/>
+        <a:font script="Jpan" typeface="ＭＳ Ｐゴシック"/>
+        <a:font script="Hang" typeface="맑은 고딕"/>
+        <a:font script="Hans" typeface="宋体"/>
+        <a:font script="Hant" typeface="新細明體"/>
+        <a:font script="Arab" typeface="Times New Roman"/>
+        <a:font script="Hebr" typeface="Times New Roman"/>
+        <a:font script="Thai" typeface="Angsana New"/>
+        <a:font script="Ethi" typeface="Nyala"/>
+        <a:font script="Beng" typeface="Vrinda"/>
+        <a:font script="Gujr" typeface="Shruti"/>
+        <a:font script="Khmr" typeface="MoolBoran"/>
+        <a:font script="Knda" typeface="Tunga"/>
+        <a:font script="Guru" typeface="Raavi"/>
+        <a:font script="Cans" typeface="Euphemia"/>
+        <a:font script="Cher" typeface="Plantagenet Cherokee"/>
+        <a:font script="Yiii" typeface="Microsoft Yi Baiti"/>
+        <a:font script="Tibt" typeface="Microsoft Himalaya"/>
+        <a:font script="Thaa" typeface="MV Boli"/>
+        <a:font script="Deva" typeface="Mangal"/>
+        <a:font script="Telu" typeface="Gautami"/>
+        <a:font script="Taml" typeface="Latha"/>
+        <a:font script="Syrc" typeface="Estrangelo Edessa"/>
+        <a:font script="Orya" typeface="Kalinga"/>
+        <a:font script="Mlym" typeface="Kartika"/>
+        <a:font script="Laoo" typeface="DokChampa"/>
+        <a:font script="Sinh" typeface="Iskoola Pota"/>
+        <a:font script="Mong" typeface="Mongolian Baiti"/>
+        <a:font script="Viet" typeface="Times New Roman"/>
+        <a:font script="Uigh" typeface="Microsoft Uighur"/>
+        <a:font script="Geor" typeface="Sylfaen"/>
+      </a:majorFont>
+      <a:minorFont>
+        <a:latin typeface="Calibri"/>
+        <a:ea typeface=""/>
+        <a:cs typeface=""/>
+        <a:font script="Jpan" typeface="ＭＳ Ｐゴシック"/>
+        <a:font script="Hang" typeface="맑은 고딕"/>
+        <a:font script="Hans" typeface="宋体"/>
+        <a:font script="Hant" typeface="新細明體"/>
+        <a:font script="Arab" typeface="Arial"/>
+        <a:font script="Hebr" typeface="Arial"/>
+        <a:font script="Thai" typeface="Cordia New"/>
+        <a:font script="Ethi" typeface="Nyala"/>
+        <a:font script="Beng" typeface="Vrinda"/>
+        <a:font script="Gujr" typeface="Shruti"/>
+        <a:font script="Khmr" typeface="DaunPenh"/>
+        <a:font script="Knda" typeface="Tunga"/>
+        <a:font script="Guru" typeface="Raavi"/>
+        <a:font script="Cans" typeface="Euphemia"/>
+        <a:font script="Cher" typeface="Plantagenet Cherokee"/>
+        <a:font script="Yiii" typeface="Microsoft Yi Baiti"/>
+        <a:font script="Tibt" typeface="Microsoft Himalaya"/>
+        <a:font script="Thaa" typeface="MV Boli"/>
+        <a:font script="Deva" typeface="Mangal"/>
+        <a:font script="Telu" typeface="Gautami"/>
+        <a:font script="Taml" typeface="Latha"/>
+        <a:font script="Syrc" typeface="Estrangelo Edessa"/>
+        <a:font script="Orya" typeface="Kalinga"/>
+        <a:font script="Mlym" typeface="Kartika"/>
+        <a:font script="Laoo" typeface="DokChampa"/>
+        <a:font script="Sinh" typeface="Iskoola Pota"/>
+        <a:font script="Mong" typeface="Mongolian Baiti"/>
+        <a:font script="Viet" typeface="Arial"/>
+        <a:font script="Uigh" typeface="Microsoft Uighur"/>
+        <a:font script="Geor" typeface="Sylfaen"/>
+      </a:minorFont>
+    </a:fontScheme>
+    <a:fmtScheme name="Office">
+      <a:fillStyleLst>
+        <a:solidFill>
+          <a:schemeClr val="phClr"/>
+        </a:solidFill>
+        <a:gradFill rotWithShape="1">
+          <a:gsLst>
+            <a:gs pos="0">
+              <a:schemeClr val="phClr">
+                <a:lumMod val="110000"/>
+                <a:satMod val="105000"/>
+                <a:tint val="67000"/>
+              </a:schemeClr>
+            </a:gs>
+            <a:gs pos="50000">
+              <a:schemeClr val="phClr">
+                <a:lumMod val="105000"/>
+                <a:satMod val="103000"/>
+                <a:tint val="73000"/>
+              </a:schemeClr>
+            </a:gs>
+            <a:gs pos="100000">
+              <a:schemeClr val="phClr">
+                <a:lumMod val="105000"/>
+                <a:satMod val="109000"/>
+                <a:tint val="81000"/>
+              </a:schemeClr>
+            </a:gs>
+          </a:gsLst>
+          <a:lin ang="5400000" scaled="0"/>
+        </a:gradFill>
+        <a:gradFill rotWithShape="1">
+          <a:gsLst>
+            <a:gs pos="0">
+              <a:schemeClr val="phClr">
+                <a:satMod val="103000"/>
+                <a:lumMod val="102000"/>
+                <a:tint val="94000"/>
+              </a:schemeClr>
+            </a:gs>
+            <a:gs pos="50000">
+              <a:schemeClr val="phClr">
+                <a:satMod val="110000"/>
+                <a:lumMod val="100000"/>
+                <a:shade val="100000"/>
+              </a:schemeClr>
+            </a:gs>
+            <a:gs pos="100000">
+              <a:schemeClr val="phClr">
+                <a:lumMod val="99000"/>
+                <a:satMod val="120000"/>
+                <a:shade val="78000"/>
+              </a:schemeClr>
+            </a:gs>
+          </a:gsLst>
+          <a:lin ang="5400000" scaled="0"/>
+        </a:gradFill>
+      </a:fillStyleLst>
+      <a:lnStyleLst>
+        <a:ln w="6350" cap="flat" cmpd="sng" algn="ctr">
+          <a:solidFill>
+            <a:schemeClr val="phClr"/>
+          </a:solidFill>
+          <a:prstDash val="solid"/>
+          <a:miter lim="800000"/>
+        </a:ln>
+        <a:ln w="12700" cap="flat" cmpd="sng" algn="ctr">
+          <a:solidFill>
+            <a:schemeClr val="phClr"/>
+          </a:solidFill>
+          <a:prstDash val="solid"/>
+          <a:miter lim="800000"/>
+        </a:ln>
+        <a:ln w="19050" cap="flat" cmpd="sng" algn="ctr">
+          <a:solidFill>
+            <a:schemeClr val="phClr"/>
+          </a:solidFill>
+          <a:prstDash val="solid"/>
+          <a:miter lim="800000"/>
+        </a:ln>
+      </a:lnStyleLst>
+      <a:effectStyleLst>
+        <a:effectStyle>
+          <a:effectLst/>
+        </a:effectStyle>
+        <a:effectStyle>
+          <a:effectLst/>
+        </a:effectStyle>
+        <a:effectStyle>
+          <a:effectLst>
+            <a:outerShdw blurRad="57150" dist="19050" dir="5400000" algn="ctr" rotWithShape="0">
+              <a:srgbClr val="000000">
+                <a:alpha val="63000"/>
+              </a:srgbClr>
+            </a:outerShdw>
+          </a:effectLst>
+        </a:effectStyle>
+      </a:effectStyleLst>
+      <a:bgFillStyleLst>
+        <a:solidFill>
+          <a:schemeClr val="phClr"/>
+        </a:solidFill>
+        <a:solidFill>
+          <a:schemeClr val="phClr">
+            <a:tint val="95000"/>
+            <a:satMod val="170000"/>
+          </a:schemeClr>
+        </a:solidFill>
+        <a:gradFill rotWithShape="1">
+          <a:gsLst>
+            <a:gs pos="0">
+              <a:schemeClr val="phClr">
+                <a:tint val="93000"/>
+                <a:satMod val="150000"/>
+                <a:shade val="98000"/>
+                <a:lumMod val="102000"/>
+              </a:schemeClr>
+            </a:gs>
+            <a:gs pos="50000">
+              <a:schemeClr val="phClr">
+                <a:tint val="98000"/>
+                <a:satMod val="130000"/>
+                <a:shade val="90000"/>
+                <a:lumMod val="103000"/>
+              </a:schemeClr>
+            </a:gs>
+            <a:gs pos="100000">
+              <a:schemeClr val="phClr">
+                <a:shade val="63000"/>
+                <a:satMod val="120000"/>
+              </a:schemeClr>
+            </a:gs>
+          </a:gsLst>
+          <a:lin ang="5400000" scaled="0"/>
+        </a:gradFill>
+      </a:bgFillStyleLst>
+    </a:fmtScheme>
+  </a:themeElements>
+  <a:extLst>
+    <a:ext uri="{05A4C25C-085E-4340-85A3-A5531E510DB2}">
+      <thm15:themeFamily xmlns:thm15="http://schemas.microsoft.com/office/thememl/2012/main" name="Office Theme" id="{62F939B6-93AF-4DB8-9C6B-D6C7DFDC589F}" vid="{4A3C46E8-61CC-4603-A589-7422A47A8E4A}"/>
+    </a:ext>
+  </a:extLst>
+</a:theme>
 </file>
--- a/全球版灌篮OBT复盘总结.pptx
+++ b/全球版灌篮OBT复盘总结.pptx
@@ -6,10 +6,10 @@
     <p:sldMasterId id="2147483661" r:id="rId2"/>
   </p:sldMasterIdLst>
   <p:notesMasterIdLst>
-    <p:notesMasterId r:id="rId16"/>
+    <p:notesMasterId r:id="rId22"/>
   </p:notesMasterIdLst>
   <p:handoutMasterIdLst>
-    <p:handoutMasterId r:id="rId17"/>
+    <p:handoutMasterId r:id="rId23"/>
   </p:handoutMasterIdLst>
   <p:sldIdLst>
     <p:sldId id="409" r:id="rId3"/>
@@ -25,6 +25,12 @@
     <p:sldId id="418" r:id="rId13"/>
     <p:sldId id="419" r:id="rId14"/>
     <p:sldId id="425" r:id="rId15"/>
+    <p:sldId id="426" r:id="rId16"/>
+    <p:sldId id="427" r:id="rId17"/>
+    <p:sldId id="428" r:id="rId18"/>
+    <p:sldId id="429" r:id="rId19"/>
+    <p:sldId id="430" r:id="rId20"/>
+    <p:sldId id="431" r:id="rId21"/>
   </p:sldIdLst>
   <p:sldSz cx="12192000" cy="6858000"/>
   <p:notesSz cx="6858000" cy="9144000"/>
@@ -245,7 +251,7 @@
           <a:p>
             <a:fld id="{E290A7D6-7054-BD4C-8154-08927318B95E}" type="datetimeFigureOut">
               <a:rPr kumimoji="1" lang="zh-CN" altLang="en-US" smtClean="0"/>
-              <a:t>2020/12/26</a:t>
+              <a:t>2020/12/28</a:t>
             </a:fld>
             <a:endParaRPr kumimoji="1" lang="zh-CN" altLang="en-US"/>
           </a:p>
@@ -422,7 +428,7 @@
           <a:p>
             <a:fld id="{D2A48B96-639E-45A3-A0BA-2464DFDB1FAA}" type="datetimeFigureOut">
               <a:rPr lang="zh-CN" altLang="en-US" smtClean="0"/>
-              <a:t>2020/12/26</a:t>
+              <a:t>2020/12/28</a:t>
             </a:fld>
             <a:endParaRPr lang="zh-CN" altLang="en-US"/>
           </a:p>
@@ -824,6 +830,90 @@
 </p:notes>
 </file>
 
+<file path=ppt/notesSlides/notesSlide3.xml><?xml version="1.0" encoding="utf-8"?>
+<p:notes xmlns:a="http://schemas.openxmlformats.org/drawingml/2006/main" xmlns:r="http://schemas.openxmlformats.org/officeDocument/2006/relationships" xmlns:p="http://schemas.openxmlformats.org/presentationml/2006/main">
+  <p:cSld>
+    <p:spTree>
+      <p:nvGrpSpPr>
+        <p:cNvPr id="1" name=""/>
+        <p:cNvGrpSpPr/>
+        <p:nvPr/>
+      </p:nvGrpSpPr>
+      <p:grpSpPr>
+        <a:xfrm>
+          <a:off x="0" y="0"/>
+          <a:ext cx="0" cy="0"/>
+          <a:chOff x="0" y="0"/>
+          <a:chExt cx="0" cy="0"/>
+        </a:xfrm>
+      </p:grpSpPr>
+      <p:sp>
+        <p:nvSpPr>
+          <p:cNvPr id="2" name="幻灯片图像占位符 1"/>
+          <p:cNvSpPr>
+            <a:spLocks noGrp="1" noRot="1" noChangeAspect="1"/>
+          </p:cNvSpPr>
+          <p:nvPr>
+            <p:ph type="sldImg"/>
+          </p:nvPr>
+        </p:nvSpPr>
+        <p:spPr/>
+      </p:sp>
+      <p:sp>
+        <p:nvSpPr>
+          <p:cNvPr id="3" name="备注占位符 2"/>
+          <p:cNvSpPr>
+            <a:spLocks noGrp="1"/>
+          </p:cNvSpPr>
+          <p:nvPr>
+            <p:ph type="body" idx="1"/>
+          </p:nvPr>
+        </p:nvSpPr>
+        <p:spPr/>
+        <p:txBody>
+          <a:bodyPr/>
+          <a:lstStyle/>
+          <a:p>
+            <a:endParaRPr kumimoji="1" lang="zh-CN" altLang="en-US" dirty="0"/>
+          </a:p>
+        </p:txBody>
+      </p:sp>
+      <p:sp>
+        <p:nvSpPr>
+          <p:cNvPr id="4" name="灯片编号占位符 3"/>
+          <p:cNvSpPr>
+            <a:spLocks noGrp="1"/>
+          </p:cNvSpPr>
+          <p:nvPr>
+            <p:ph type="sldNum" sz="quarter" idx="5"/>
+          </p:nvPr>
+        </p:nvSpPr>
+        <p:spPr/>
+        <p:txBody>
+          <a:bodyPr/>
+          <a:lstStyle/>
+          <a:p>
+            <a:fld id="{A6837353-30EB-4A48-80EB-173D804AEFBD}" type="slidenum">
+              <a:rPr lang="zh-CN" altLang="en-US" smtClean="0"/>
+              <a:t>13</a:t>
+            </a:fld>
+            <a:endParaRPr lang="zh-CN" altLang="en-US"/>
+          </a:p>
+        </p:txBody>
+      </p:sp>
+    </p:spTree>
+    <p:extLst>
+      <p:ext uri="{BB962C8B-B14F-4D97-AF65-F5344CB8AC3E}">
+        <p14:creationId xmlns:p14="http://schemas.microsoft.com/office/powerpoint/2010/main" val="2114489598"/>
+      </p:ext>
+    </p:extLst>
+  </p:cSld>
+  <p:clrMapOvr>
+    <a:masterClrMapping/>
+  </p:clrMapOvr>
+</p:notes>
+</file>
+
 <file path=ppt/slideLayouts/slideLayout1.xml><?xml version="1.0" encoding="utf-8"?>
 <p:sldLayout xmlns:a="http://schemas.openxmlformats.org/drawingml/2006/main" xmlns:r="http://schemas.openxmlformats.org/officeDocument/2006/relationships" xmlns:p="http://schemas.openxmlformats.org/presentationml/2006/main" type="title" preserve="1">
   <p:cSld name="标题幻灯片">
@@ -985,7 +1075,7 @@
           <a:p>
             <a:fld id="{760FBDFE-C587-4B4C-A407-44438C67B59E}" type="datetimeFigureOut">
               <a:rPr lang="zh-CN" altLang="en-US" smtClean="0"/>
-              <a:t>2020/12/26</a:t>
+              <a:t>2020/12/28</a:t>
             </a:fld>
             <a:endParaRPr lang="zh-CN" altLang="en-US"/>
           </a:p>
@@ -1084,7 +1174,7 @@
           <a:p>
             <a:fld id="{760FBDFE-C587-4B4C-A407-44438C67B59E}" type="datetimeFigureOut">
               <a:rPr lang="zh-CN" altLang="en-US" smtClean="0"/>
-              <a:t>2020/12/26</a:t>
+              <a:t>2020/12/28</a:t>
             </a:fld>
             <a:endParaRPr lang="zh-CN" altLang="en-US"/>
           </a:p>
@@ -1397,7 +1487,7 @@
           <a:p>
             <a:fld id="{BF6F23A3-5631-364C-B4C2-3F31B1F8C96B}" type="datetimeFigureOut">
               <a:rPr kumimoji="1" lang="zh-CN" altLang="en-US" smtClean="0"/>
-              <a:t>2020/12/26</a:t>
+              <a:t>2020/12/28</a:t>
             </a:fld>
             <a:endParaRPr kumimoji="1" lang="zh-CN" altLang="en-US"/>
           </a:p>
@@ -1595,7 +1685,7 @@
           <a:p>
             <a:fld id="{BF6F23A3-5631-364C-B4C2-3F31B1F8C96B}" type="datetimeFigureOut">
               <a:rPr kumimoji="1" lang="zh-CN" altLang="en-US" smtClean="0"/>
-              <a:t>2020/12/26</a:t>
+              <a:t>2020/12/28</a:t>
             </a:fld>
             <a:endParaRPr kumimoji="1" lang="zh-CN" altLang="en-US"/>
           </a:p>
@@ -1870,7 +1960,7 @@
           <a:p>
             <a:fld id="{BF6F23A3-5631-364C-B4C2-3F31B1F8C96B}" type="datetimeFigureOut">
               <a:rPr kumimoji="1" lang="zh-CN" altLang="en-US" smtClean="0"/>
-              <a:t>2020/12/26</a:t>
+              <a:t>2020/12/28</a:t>
             </a:fld>
             <a:endParaRPr kumimoji="1" lang="zh-CN" altLang="en-US"/>
           </a:p>
@@ -2135,7 +2225,7 @@
           <a:p>
             <a:fld id="{BF6F23A3-5631-364C-B4C2-3F31B1F8C96B}" type="datetimeFigureOut">
               <a:rPr kumimoji="1" lang="zh-CN" altLang="en-US" smtClean="0"/>
-              <a:t>2020/12/26</a:t>
+              <a:t>2020/12/28</a:t>
             </a:fld>
             <a:endParaRPr kumimoji="1" lang="zh-CN" altLang="en-US"/>
           </a:p>
@@ -2547,7 +2637,7 @@
           <a:p>
             <a:fld id="{BF6F23A3-5631-364C-B4C2-3F31B1F8C96B}" type="datetimeFigureOut">
               <a:rPr kumimoji="1" lang="zh-CN" altLang="en-US" smtClean="0"/>
-              <a:t>2020/12/26</a:t>
+              <a:t>2020/12/28</a:t>
             </a:fld>
             <a:endParaRPr kumimoji="1" lang="zh-CN" altLang="en-US"/>
           </a:p>
@@ -2688,7 +2778,7 @@
           <a:p>
             <a:fld id="{BF6F23A3-5631-364C-B4C2-3F31B1F8C96B}" type="datetimeFigureOut">
               <a:rPr kumimoji="1" lang="zh-CN" altLang="en-US" smtClean="0"/>
-              <a:t>2020/12/26</a:t>
+              <a:t>2020/12/28</a:t>
             </a:fld>
             <a:endParaRPr kumimoji="1" lang="zh-CN" altLang="en-US"/>
           </a:p>
@@ -2801,7 +2891,7 @@
           <a:p>
             <a:fld id="{BF6F23A3-5631-364C-B4C2-3F31B1F8C96B}" type="datetimeFigureOut">
               <a:rPr kumimoji="1" lang="zh-CN" altLang="en-US" smtClean="0"/>
-              <a:t>2020/12/26</a:t>
+              <a:t>2020/12/28</a:t>
             </a:fld>
             <a:endParaRPr kumimoji="1" lang="zh-CN" altLang="en-US"/>
           </a:p>
@@ -3112,7 +3202,7 @@
           <a:p>
             <a:fld id="{BF6F23A3-5631-364C-B4C2-3F31B1F8C96B}" type="datetimeFigureOut">
               <a:rPr kumimoji="1" lang="zh-CN" altLang="en-US" smtClean="0"/>
-              <a:t>2020/12/26</a:t>
+              <a:t>2020/12/28</a:t>
             </a:fld>
             <a:endParaRPr kumimoji="1" lang="zh-CN" altLang="en-US"/>
           </a:p>
@@ -3400,7 +3490,7 @@
           <a:p>
             <a:fld id="{BF6F23A3-5631-364C-B4C2-3F31B1F8C96B}" type="datetimeFigureOut">
               <a:rPr kumimoji="1" lang="zh-CN" altLang="en-US" smtClean="0"/>
-              <a:t>2020/12/26</a:t>
+              <a:t>2020/12/28</a:t>
             </a:fld>
             <a:endParaRPr kumimoji="1" lang="zh-CN" altLang="en-US"/>
           </a:p>
@@ -3770,7 +3860,7 @@
           <a:p>
             <a:fld id="{760FBDFE-C587-4B4C-A407-44438C67B59E}" type="datetimeFigureOut">
               <a:rPr lang="zh-CN" altLang="en-US" smtClean="0"/>
-              <a:t>2020/12/26</a:t>
+              <a:t>2020/12/28</a:t>
             </a:fld>
             <a:endParaRPr lang="zh-CN" altLang="en-US"/>
           </a:p>
@@ -3957,7 +4047,7 @@
           <a:p>
             <a:fld id="{BF6F23A3-5631-364C-B4C2-3F31B1F8C96B}" type="datetimeFigureOut">
               <a:rPr kumimoji="1" lang="zh-CN" altLang="en-US" smtClean="0"/>
-              <a:t>2020/12/26</a:t>
+              <a:t>2020/12/28</a:t>
             </a:fld>
             <a:endParaRPr kumimoji="1" lang="zh-CN" altLang="en-US"/>
           </a:p>
@@ -4165,7 +4255,7 @@
           <a:p>
             <a:fld id="{BF6F23A3-5631-364C-B4C2-3F31B1F8C96B}" type="datetimeFigureOut">
               <a:rPr kumimoji="1" lang="zh-CN" altLang="en-US" smtClean="0"/>
-              <a:t>2020/12/26</a:t>
+              <a:t>2020/12/28</a:t>
             </a:fld>
             <a:endParaRPr kumimoji="1" lang="zh-CN" altLang="en-US"/>
           </a:p>
@@ -4453,7 +4543,7 @@
           <a:p>
             <a:fld id="{760FBDFE-C587-4B4C-A407-44438C67B59E}" type="datetimeFigureOut">
               <a:rPr lang="zh-CN" altLang="en-US" smtClean="0"/>
-              <a:t>2020/12/26</a:t>
+              <a:t>2020/12/28</a:t>
             </a:fld>
             <a:endParaRPr lang="zh-CN" altLang="en-US"/>
           </a:p>
@@ -4911,7 +5001,7 @@
           <a:p>
             <a:fld id="{760FBDFE-C587-4B4C-A407-44438C67B59E}" type="datetimeFigureOut">
               <a:rPr lang="zh-CN" altLang="en-US" smtClean="0"/>
-              <a:t>2020/12/26</a:t>
+              <a:t>2020/12/28</a:t>
             </a:fld>
             <a:endParaRPr lang="zh-CN" altLang="en-US"/>
           </a:p>
@@ -5069,7 +5159,7 @@
           <a:p>
             <a:fld id="{760FBDFE-C587-4B4C-A407-44438C67B59E}" type="datetimeFigureOut">
               <a:rPr lang="zh-CN" altLang="en-US" smtClean="0"/>
-              <a:t>2020/12/26</a:t>
+              <a:t>2020/12/28</a:t>
             </a:fld>
             <a:endParaRPr lang="zh-CN" altLang="en-US"/>
           </a:p>
@@ -5179,7 +5269,7 @@
           <a:p>
             <a:fld id="{760FBDFE-C587-4B4C-A407-44438C67B59E}" type="datetimeFigureOut">
               <a:rPr lang="zh-CN" altLang="en-US" smtClean="0"/>
-              <a:t>2020/12/26</a:t>
+              <a:t>2020/12/28</a:t>
             </a:fld>
             <a:endParaRPr lang="zh-CN" altLang="en-US"/>
           </a:p>
@@ -5557,7 +5647,7 @@
           <a:p>
             <a:fld id="{9EFD9D74-47D9-4702-A33C-335B63B48DBF}" type="datetimeFigureOut">
               <a:rPr lang="zh-CN" altLang="en-US" smtClean="0"/>
-              <a:t>2020/12/26</a:t>
+              <a:t>2020/12/28</a:t>
             </a:fld>
             <a:endParaRPr lang="zh-CN" altLang="en-US" dirty="0"/>
           </a:p>
@@ -5904,7 +5994,7 @@
           <a:p>
             <a:fld id="{760FBDFE-C587-4B4C-A407-44438C67B59E}" type="datetimeFigureOut">
               <a:rPr lang="zh-CN" altLang="en-US" smtClean="0"/>
-              <a:t>2020/12/26</a:t>
+              <a:t>2020/12/28</a:t>
             </a:fld>
             <a:endParaRPr lang="zh-CN" altLang="en-US"/>
           </a:p>
@@ -6003,7 +6093,7 @@
           <a:p>
             <a:fld id="{760FBDFE-C587-4B4C-A407-44438C67B59E}" type="datetimeFigureOut">
               <a:rPr lang="zh-CN" altLang="en-US" smtClean="0"/>
-              <a:t>2020/12/26</a:t>
+              <a:t>2020/12/28</a:t>
             </a:fld>
             <a:endParaRPr lang="zh-CN" altLang="en-US"/>
           </a:p>
@@ -6385,7 +6475,7 @@
           <a:p>
             <a:fld id="{760FBDFE-C587-4B4C-A407-44438C67B59E}" type="datetimeFigureOut">
               <a:rPr lang="zh-CN" altLang="en-US" smtClean="0"/>
-              <a:t>2020/12/26</a:t>
+              <a:t>2020/12/28</a:t>
             </a:fld>
             <a:endParaRPr lang="zh-CN" altLang="en-US"/>
           </a:p>
@@ -6997,7 +7087,7 @@
           <a:p>
             <a:fld id="{BF6F23A3-5631-364C-B4C2-3F31B1F8C96B}" type="datetimeFigureOut">
               <a:rPr kumimoji="1" lang="zh-CN" altLang="en-US" smtClean="0"/>
-              <a:t>2020/12/26</a:t>
+              <a:t>2020/12/28</a:t>
             </a:fld>
             <a:endParaRPr kumimoji="1" lang="zh-CN" altLang="en-US"/>
           </a:p>
@@ -7994,7 +8084,7 @@
           <a:p>
             <a:r>
               <a:rPr lang="zh-CN" altLang="en-US" dirty="0"/>
-              <a:t>代码上线问题复盘与总结</a:t>
+              <a:t>三、代码上线问题复盘与总结</a:t>
             </a:r>
             <a:r>
               <a:rPr lang="en-US" altLang="zh-CN" dirty="0"/>
@@ -8025,7 +8115,65 @@
           <a:bodyPr/>
           <a:lstStyle/>
           <a:p>
-            <a:endParaRPr lang="zh-CN" altLang="en-US"/>
+            <a:pPr marL="0" indent="0">
+              <a:buNone/>
+            </a:pPr>
+            <a:r>
+              <a:rPr lang="zh-CN" altLang="en-US" dirty="0"/>
+              <a:t>问题</a:t>
+            </a:r>
+            <a:r>
+              <a:rPr lang="en-US" altLang="zh-CN" dirty="0"/>
+              <a:t>1</a:t>
+            </a:r>
+            <a:r>
+              <a:rPr lang="zh-CN" altLang="en-US" dirty="0"/>
+              <a:t>：</a:t>
+            </a:r>
+            <a:r>
+              <a:rPr lang="en-US" altLang="zh-CN" dirty="0"/>
+              <a:t>LCM</a:t>
+            </a:r>
+            <a:r>
+              <a:rPr lang="zh-CN" altLang="en-US" dirty="0"/>
+              <a:t>登录后公告新增多语言命中功能未生效。</a:t>
+            </a:r>
+            <a:endParaRPr lang="en-US" altLang="zh-CN" dirty="0"/>
+          </a:p>
+          <a:p>
+            <a:pPr marL="0" indent="0">
+              <a:buNone/>
+            </a:pPr>
+            <a:endParaRPr lang="en-US" altLang="zh-CN" dirty="0"/>
+          </a:p>
+          <a:p>
+            <a:r>
+              <a:rPr lang="zh-CN" altLang="en-US" dirty="0"/>
+              <a:t>导致结果：运营同学无法为使用特定语言的用户配置公告。</a:t>
+            </a:r>
+            <a:endParaRPr lang="en-US" altLang="zh-CN" dirty="0"/>
+          </a:p>
+          <a:p>
+            <a:endParaRPr lang="en-US" altLang="zh-CN" dirty="0"/>
+          </a:p>
+          <a:p>
+            <a:r>
+              <a:rPr lang="zh-CN" altLang="en-US" dirty="0"/>
+              <a:t>近因：虽然公告相关的测试案例中已覆盖对应功能，新功能上线的检查流程中也覆盖到公告的检查部分。且此次上线“公告”部分属于必查项目，</a:t>
+            </a:r>
+            <a:r>
+              <a:rPr lang="zh-CN" altLang="en-US" b="1" dirty="0">
+                <a:solidFill>
+                  <a:srgbClr val="FF0000"/>
+                </a:solidFill>
+              </a:rPr>
+              <a:t>但上线当天测试人员对测试案例的执行不到位。</a:t>
+            </a:r>
+            <a:endParaRPr lang="en-US" altLang="zh-CN" b="1" dirty="0">
+              <a:solidFill>
+                <a:srgbClr val="FF0000"/>
+              </a:solidFill>
+            </a:endParaRPr>
           </a:p>
         </p:txBody>
       </p:sp>
@@ -8033,6 +8181,787 @@
     <p:extLst>
       <p:ext uri="{BB962C8B-B14F-4D97-AF65-F5344CB8AC3E}">
         <p14:creationId xmlns:p14="http://schemas.microsoft.com/office/powerpoint/2010/main" val="1467074853"/>
+      </p:ext>
+    </p:extLst>
+  </p:cSld>
+  <p:clrMapOvr>
+    <a:masterClrMapping/>
+  </p:clrMapOvr>
+</p:sld>
+</file>
+
+<file path=ppt/slides/slide14.xml><?xml version="1.0" encoding="utf-8"?>
+<p:sld xmlns:a="http://schemas.openxmlformats.org/drawingml/2006/main" xmlns:r="http://schemas.openxmlformats.org/officeDocument/2006/relationships" xmlns:p="http://schemas.openxmlformats.org/presentationml/2006/main">
+  <p:cSld>
+    <p:spTree>
+      <p:nvGrpSpPr>
+        <p:cNvPr id="1" name=""/>
+        <p:cNvGrpSpPr/>
+        <p:nvPr/>
+      </p:nvGrpSpPr>
+      <p:grpSpPr>
+        <a:xfrm>
+          <a:off x="0" y="0"/>
+          <a:ext cx="0" cy="0"/>
+          <a:chOff x="0" y="0"/>
+          <a:chExt cx="0" cy="0"/>
+        </a:xfrm>
+      </p:grpSpPr>
+      <p:sp>
+        <p:nvSpPr>
+          <p:cNvPr id="2" name="标题 1">
+            <a:extLst>
+              <a:ext uri="{FF2B5EF4-FFF2-40B4-BE49-F238E27FC236}">
+                <a16:creationId xmlns:a16="http://schemas.microsoft.com/office/drawing/2014/main" id="{05C8D6E6-6761-674F-8FDF-DC36B4B291BB}"/>
+              </a:ext>
+            </a:extLst>
+          </p:cNvPr>
+          <p:cNvSpPr>
+            <a:spLocks noGrp="1"/>
+          </p:cNvSpPr>
+          <p:nvPr>
+            <p:ph type="title"/>
+          </p:nvPr>
+        </p:nvSpPr>
+        <p:spPr/>
+        <p:txBody>
+          <a:bodyPr/>
+          <a:lstStyle/>
+          <a:p>
+            <a:r>
+              <a:rPr kumimoji="1" lang="zh-CN" altLang="en-US" dirty="0"/>
+              <a:t>自查</a:t>
+            </a:r>
+          </a:p>
+        </p:txBody>
+      </p:sp>
+      <p:sp>
+        <p:nvSpPr>
+          <p:cNvPr id="3" name="内容占位符 2">
+            <a:extLst>
+              <a:ext uri="{FF2B5EF4-FFF2-40B4-BE49-F238E27FC236}">
+                <a16:creationId xmlns:a16="http://schemas.microsoft.com/office/drawing/2014/main" id="{9D6AE21D-05A4-A44D-A76B-2F0DFFF0C67E}"/>
+              </a:ext>
+            </a:extLst>
+          </p:cNvPr>
+          <p:cNvSpPr>
+            <a:spLocks noGrp="1"/>
+          </p:cNvSpPr>
+          <p:nvPr>
+            <p:ph idx="1"/>
+          </p:nvPr>
+        </p:nvSpPr>
+        <p:spPr/>
+        <p:txBody>
+          <a:bodyPr/>
+          <a:lstStyle/>
+          <a:p>
+            <a:r>
+              <a:rPr lang="zh-CN" altLang="en-US" dirty="0"/>
+              <a:t>    此次上线包括</a:t>
+            </a:r>
+            <a:r>
+              <a:rPr lang="en-US" altLang="zh-CN" dirty="0"/>
+              <a:t>LCM</a:t>
+            </a:r>
+            <a:r>
+              <a:rPr lang="zh-CN" altLang="en-US" dirty="0"/>
+              <a:t>和客服的新功能，按照优先级优，测试人员优先进行</a:t>
+            </a:r>
+            <a:r>
+              <a:rPr lang="en-US" altLang="zh-CN" dirty="0"/>
+              <a:t>LCM</a:t>
+            </a:r>
+            <a:r>
+              <a:rPr lang="zh-CN" altLang="en-US" dirty="0"/>
+              <a:t>部分的测试。在过程中，线上客服反映实时客服的文字输入功能异常，导致线上用户无法使用。测试人员随即尝试进行客服问题的复现，由于该问题出现在特定机型且使用特定输入法的场景，复现耗时较多，导致测试人员的注意力被分散至线上客服系统。问题定位并处理后，测试人员在继续回归</a:t>
+            </a:r>
+            <a:r>
+              <a:rPr lang="en-US" altLang="zh-CN" dirty="0"/>
+              <a:t>LCM</a:t>
+            </a:r>
+            <a:r>
+              <a:rPr lang="zh-CN" altLang="en-US" dirty="0"/>
+              <a:t>相关功能的过程中，遗漏了公告部分测试步骤的执行，没有完整覆盖所需要执行的测试用例，以至于没有即时发现公告功能异常。</a:t>
+            </a:r>
+            <a:endParaRPr lang="en-US" altLang="zh-CN" dirty="0"/>
+          </a:p>
+          <a:p>
+            <a:r>
+              <a:rPr lang="zh-CN" altLang="en-US" dirty="0"/>
+              <a:t>和产品中心的代码发布流程的配合及本部门测试案例的执行皆存在客观缺陷，问题的显现是时间问题</a:t>
+            </a:r>
+            <a:endParaRPr lang="en-US" altLang="zh-CN" dirty="0"/>
+          </a:p>
+          <a:p>
+            <a:pPr lvl="1">
+              <a:buFont typeface="Wingdings" pitchFamily="2" charset="2"/>
+              <a:buChar char="p"/>
+            </a:pPr>
+            <a:r>
+              <a:rPr lang="zh-CN" altLang="en-US" dirty="0"/>
+              <a:t>代码上线后的固定检查项需要进一步梳理并明确</a:t>
+            </a:r>
+            <a:endParaRPr lang="en-US" altLang="zh-CN" dirty="0"/>
+          </a:p>
+          <a:p>
+            <a:pPr lvl="1">
+              <a:buFont typeface="Wingdings" pitchFamily="2" charset="2"/>
+              <a:buChar char="p"/>
+            </a:pPr>
+            <a:r>
+              <a:rPr lang="zh-CN" altLang="en-US" dirty="0"/>
+              <a:t>人员分配需优化以提升效率和容错</a:t>
+            </a:r>
+            <a:endParaRPr lang="en-US" altLang="zh-CN" dirty="0"/>
+          </a:p>
+          <a:p>
+            <a:pPr lvl="1">
+              <a:buFont typeface="Wingdings" pitchFamily="2" charset="2"/>
+              <a:buChar char="p"/>
+            </a:pPr>
+            <a:r>
+              <a:rPr lang="zh-CN" altLang="en-US" dirty="0"/>
+              <a:t>对业务优先级管理不到位</a:t>
+            </a:r>
+            <a:endParaRPr lang="en-US" altLang="zh-CN" dirty="0"/>
+          </a:p>
+          <a:p>
+            <a:pPr lvl="1">
+              <a:buFont typeface="Wingdings" pitchFamily="2" charset="2"/>
+              <a:buChar char="p"/>
+            </a:pPr>
+            <a:r>
+              <a:rPr lang="zh-CN" altLang="en-US" dirty="0"/>
+              <a:t>代码发布流程需优化</a:t>
+            </a:r>
+            <a:endParaRPr lang="en-US" altLang="zh-CN" dirty="0"/>
+          </a:p>
+          <a:p>
+            <a:endParaRPr kumimoji="1" lang="en-US" altLang="zh-CN" dirty="0"/>
+          </a:p>
+        </p:txBody>
+      </p:sp>
+    </p:spTree>
+    <p:extLst>
+      <p:ext uri="{BB962C8B-B14F-4D97-AF65-F5344CB8AC3E}">
+        <p14:creationId xmlns:p14="http://schemas.microsoft.com/office/powerpoint/2010/main" val="2710138417"/>
+      </p:ext>
+    </p:extLst>
+  </p:cSld>
+  <p:clrMapOvr>
+    <a:masterClrMapping/>
+  </p:clrMapOvr>
+</p:sld>
+</file>
+
+<file path=ppt/slides/slide15.xml><?xml version="1.0" encoding="utf-8"?>
+<p:sld xmlns:a="http://schemas.openxmlformats.org/drawingml/2006/main" xmlns:r="http://schemas.openxmlformats.org/officeDocument/2006/relationships" xmlns:p="http://schemas.openxmlformats.org/presentationml/2006/main">
+  <p:cSld>
+    <p:spTree>
+      <p:nvGrpSpPr>
+        <p:cNvPr id="1" name=""/>
+        <p:cNvGrpSpPr/>
+        <p:nvPr/>
+      </p:nvGrpSpPr>
+      <p:grpSpPr>
+        <a:xfrm>
+          <a:off x="0" y="0"/>
+          <a:ext cx="0" cy="0"/>
+          <a:chOff x="0" y="0"/>
+          <a:chExt cx="0" cy="0"/>
+        </a:xfrm>
+      </p:grpSpPr>
+      <p:sp>
+        <p:nvSpPr>
+          <p:cNvPr id="2" name="标题 1">
+            <a:extLst>
+              <a:ext uri="{FF2B5EF4-FFF2-40B4-BE49-F238E27FC236}">
+                <a16:creationId xmlns:a16="http://schemas.microsoft.com/office/drawing/2014/main" id="{058D8415-7057-794B-9407-ED014215366F}"/>
+              </a:ext>
+            </a:extLst>
+          </p:cNvPr>
+          <p:cNvSpPr>
+            <a:spLocks noGrp="1"/>
+          </p:cNvSpPr>
+          <p:nvPr>
+            <p:ph type="title"/>
+          </p:nvPr>
+        </p:nvSpPr>
+        <p:spPr/>
+        <p:txBody>
+          <a:bodyPr/>
+          <a:lstStyle/>
+          <a:p>
+            <a:r>
+              <a:rPr kumimoji="1" lang="zh-CN" altLang="en-US" dirty="0"/>
+              <a:t>优化方案</a:t>
+            </a:r>
+          </a:p>
+        </p:txBody>
+      </p:sp>
+      <p:sp>
+        <p:nvSpPr>
+          <p:cNvPr id="3" name="内容占位符 2">
+            <a:extLst>
+              <a:ext uri="{FF2B5EF4-FFF2-40B4-BE49-F238E27FC236}">
+                <a16:creationId xmlns:a16="http://schemas.microsoft.com/office/drawing/2014/main" id="{7D95F251-AE52-654F-A360-61487B361B49}"/>
+              </a:ext>
+            </a:extLst>
+          </p:cNvPr>
+          <p:cNvSpPr>
+            <a:spLocks noGrp="1"/>
+          </p:cNvSpPr>
+          <p:nvPr>
+            <p:ph idx="1"/>
+          </p:nvPr>
+        </p:nvSpPr>
+        <p:spPr/>
+        <p:txBody>
+          <a:bodyPr/>
+          <a:lstStyle/>
+          <a:p>
+            <a:pPr marL="0" indent="0">
+              <a:buNone/>
+            </a:pPr>
+            <a:endParaRPr kumimoji="1" lang="en-US" altLang="zh-CN" dirty="0"/>
+          </a:p>
+          <a:p>
+            <a:r>
+              <a:rPr kumimoji="1" lang="zh-CN" altLang="en-US" dirty="0"/>
+              <a:t>将固定测试项目按轻重缓急分类；</a:t>
+            </a:r>
+            <a:endParaRPr kumimoji="1" lang="en-US" altLang="zh-CN" dirty="0"/>
+          </a:p>
+          <a:p>
+            <a:endParaRPr kumimoji="1" lang="en-US" altLang="zh-CN" dirty="0"/>
+          </a:p>
+          <a:p>
+            <a:r>
+              <a:rPr kumimoji="1" lang="zh-CN" altLang="en-US" dirty="0"/>
+              <a:t>优化测试人员的业务内容，拆解任务，以求提升回归测试效率；</a:t>
+            </a:r>
+            <a:endParaRPr kumimoji="1" lang="en-US" altLang="zh-CN" dirty="0"/>
+          </a:p>
+          <a:p>
+            <a:endParaRPr kumimoji="1" lang="en-US" altLang="zh-CN" dirty="0"/>
+          </a:p>
+          <a:p>
+            <a:r>
+              <a:rPr kumimoji="1" lang="zh-CN" altLang="en-US" dirty="0"/>
+              <a:t>和产品中心讨论了原有流程存在的问题，协商后进行优化：</a:t>
+            </a:r>
+            <a:endParaRPr kumimoji="1" lang="en-US" altLang="zh-CN" dirty="0"/>
+          </a:p>
+          <a:p>
+            <a:pPr lvl="1"/>
+            <a:r>
+              <a:rPr kumimoji="1" lang="zh-CN" altLang="en-US" dirty="0"/>
+              <a:t>代码发布时将</a:t>
+            </a:r>
+            <a:r>
+              <a:rPr kumimoji="1" lang="en-US" altLang="zh-CN" dirty="0"/>
+              <a:t>LCM</a:t>
+            </a:r>
+            <a:r>
+              <a:rPr kumimoji="1" lang="zh-CN" altLang="en-US" dirty="0"/>
+              <a:t>和客服分开发布</a:t>
+            </a:r>
+            <a:endParaRPr kumimoji="1" lang="en-US" altLang="zh-CN" dirty="0"/>
+          </a:p>
+          <a:p>
+            <a:pPr lvl="1"/>
+            <a:r>
+              <a:rPr kumimoji="1" lang="en-US" altLang="zh-CN" dirty="0"/>
+              <a:t>LCM</a:t>
+            </a:r>
+            <a:r>
+              <a:rPr kumimoji="1" lang="zh-CN" altLang="en-US" dirty="0"/>
+              <a:t>相关新功能回归完毕之后，再进行客服代码的发布</a:t>
+            </a:r>
+            <a:endParaRPr kumimoji="1" lang="en-US" altLang="zh-CN" dirty="0"/>
+          </a:p>
+        </p:txBody>
+      </p:sp>
+    </p:spTree>
+    <p:extLst>
+      <p:ext uri="{BB962C8B-B14F-4D97-AF65-F5344CB8AC3E}">
+        <p14:creationId xmlns:p14="http://schemas.microsoft.com/office/powerpoint/2010/main" val="3879402091"/>
+      </p:ext>
+    </p:extLst>
+  </p:cSld>
+  <p:clrMapOvr>
+    <a:masterClrMapping/>
+  </p:clrMapOvr>
+</p:sld>
+</file>
+
+<file path=ppt/slides/slide16.xml><?xml version="1.0" encoding="utf-8"?>
+<p:sld xmlns:a="http://schemas.openxmlformats.org/drawingml/2006/main" xmlns:r="http://schemas.openxmlformats.org/officeDocument/2006/relationships" xmlns:p="http://schemas.openxmlformats.org/presentationml/2006/main">
+  <p:cSld>
+    <p:spTree>
+      <p:nvGrpSpPr>
+        <p:cNvPr id="1" name=""/>
+        <p:cNvGrpSpPr/>
+        <p:nvPr/>
+      </p:nvGrpSpPr>
+      <p:grpSpPr>
+        <a:xfrm>
+          <a:off x="0" y="0"/>
+          <a:ext cx="0" cy="0"/>
+          <a:chOff x="0" y="0"/>
+          <a:chExt cx="0" cy="0"/>
+        </a:xfrm>
+      </p:grpSpPr>
+      <p:sp>
+        <p:nvSpPr>
+          <p:cNvPr id="4" name="内容占位符 3">
+            <a:extLst>
+              <a:ext uri="{FF2B5EF4-FFF2-40B4-BE49-F238E27FC236}">
+                <a16:creationId xmlns:a16="http://schemas.microsoft.com/office/drawing/2014/main" id="{C4A32261-2E28-8C4A-98EC-17AADE665BAB}"/>
+              </a:ext>
+            </a:extLst>
+          </p:cNvPr>
+          <p:cNvSpPr>
+            <a:spLocks noGrp="1"/>
+          </p:cNvSpPr>
+          <p:nvPr>
+            <p:ph sz="quarter" idx="13"/>
+          </p:nvPr>
+        </p:nvSpPr>
+        <p:spPr/>
+        <p:txBody>
+          <a:bodyPr/>
+          <a:lstStyle/>
+          <a:p>
+            <a:pPr marL="0" indent="0">
+              <a:buNone/>
+            </a:pPr>
+            <a:r>
+              <a:rPr lang="zh-CN" altLang="en-US" dirty="0"/>
+              <a:t>问题</a:t>
+            </a:r>
+            <a:r>
+              <a:rPr lang="en-US" altLang="zh-CN" dirty="0"/>
+              <a:t>2</a:t>
+            </a:r>
+            <a:r>
+              <a:rPr lang="zh-CN" altLang="en-US" dirty="0"/>
+              <a:t>：简体灌篮登录后公告失效</a:t>
+            </a:r>
+            <a:endParaRPr lang="en-US" altLang="zh-CN" dirty="0"/>
+          </a:p>
+          <a:p>
+            <a:pPr marL="0" indent="0">
+              <a:buNone/>
+            </a:pPr>
+            <a:endParaRPr lang="en-US" altLang="zh-CN" dirty="0"/>
+          </a:p>
+          <a:p>
+            <a:r>
+              <a:rPr lang="zh-CN" altLang="en-US" dirty="0"/>
+              <a:t>后果：简体灌篮维护前夕设置的分商店渠道登录后拦截公告不生效，临时启用登录前公告拦截玩家。</a:t>
+            </a:r>
+            <a:endParaRPr lang="en-US" altLang="zh-CN" dirty="0"/>
+          </a:p>
+          <a:p>
+            <a:endParaRPr lang="en-US" altLang="zh-CN" dirty="0"/>
+          </a:p>
+          <a:p>
+            <a:r>
+              <a:rPr lang="zh-CN" altLang="en-US" dirty="0"/>
+              <a:t>近因：繁体公告代码发布后，对可能影响到的简体环境公告相关的功能没有进行兜底回归，漏测现有公告模块的完整功能；</a:t>
+            </a:r>
+            <a:endParaRPr lang="en-US" altLang="zh-CN" dirty="0"/>
+          </a:p>
+          <a:p>
+            <a:endParaRPr lang="en-US" altLang="zh-CN" dirty="0"/>
+          </a:p>
+          <a:p>
+            <a:endParaRPr lang="en-US" altLang="zh-CN" dirty="0"/>
+          </a:p>
+          <a:p>
+            <a:endParaRPr lang="en-US" altLang="zh-CN" dirty="0"/>
+          </a:p>
+        </p:txBody>
+      </p:sp>
+    </p:spTree>
+    <p:extLst>
+      <p:ext uri="{BB962C8B-B14F-4D97-AF65-F5344CB8AC3E}">
+        <p14:creationId xmlns:p14="http://schemas.microsoft.com/office/powerpoint/2010/main" val="3162523544"/>
+      </p:ext>
+    </p:extLst>
+  </p:cSld>
+  <p:clrMapOvr>
+    <a:masterClrMapping/>
+  </p:clrMapOvr>
+</p:sld>
+</file>
+
+<file path=ppt/slides/slide17.xml><?xml version="1.0" encoding="utf-8"?>
+<p:sld xmlns:a="http://schemas.openxmlformats.org/drawingml/2006/main" xmlns:r="http://schemas.openxmlformats.org/officeDocument/2006/relationships" xmlns:p="http://schemas.openxmlformats.org/presentationml/2006/main">
+  <p:cSld>
+    <p:spTree>
+      <p:nvGrpSpPr>
+        <p:cNvPr id="1" name=""/>
+        <p:cNvGrpSpPr/>
+        <p:nvPr/>
+      </p:nvGrpSpPr>
+      <p:grpSpPr>
+        <a:xfrm>
+          <a:off x="0" y="0"/>
+          <a:ext cx="0" cy="0"/>
+          <a:chOff x="0" y="0"/>
+          <a:chExt cx="0" cy="0"/>
+        </a:xfrm>
+      </p:grpSpPr>
+      <p:sp>
+        <p:nvSpPr>
+          <p:cNvPr id="3" name="标题 2">
+            <a:extLst>
+              <a:ext uri="{FF2B5EF4-FFF2-40B4-BE49-F238E27FC236}">
+                <a16:creationId xmlns:a16="http://schemas.microsoft.com/office/drawing/2014/main" id="{6B099A7C-C6E1-AC44-B9DC-F5D12BA8208B}"/>
+              </a:ext>
+            </a:extLst>
+          </p:cNvPr>
+          <p:cNvSpPr>
+            <a:spLocks noGrp="1"/>
+          </p:cNvSpPr>
+          <p:nvPr>
+            <p:ph type="title"/>
+          </p:nvPr>
+        </p:nvSpPr>
+        <p:spPr/>
+        <p:txBody>
+          <a:bodyPr/>
+          <a:lstStyle/>
+          <a:p>
+            <a:r>
+              <a:rPr lang="zh-CN" altLang="en-US" dirty="0"/>
+              <a:t>自查</a:t>
+            </a:r>
+          </a:p>
+        </p:txBody>
+      </p:sp>
+      <p:sp>
+        <p:nvSpPr>
+          <p:cNvPr id="4" name="内容占位符 3">
+            <a:extLst>
+              <a:ext uri="{FF2B5EF4-FFF2-40B4-BE49-F238E27FC236}">
+                <a16:creationId xmlns:a16="http://schemas.microsoft.com/office/drawing/2014/main" id="{C9A4D184-1BAA-7D49-BFB6-C74461FB2EA4}"/>
+              </a:ext>
+            </a:extLst>
+          </p:cNvPr>
+          <p:cNvSpPr>
+            <a:spLocks noGrp="1"/>
+          </p:cNvSpPr>
+          <p:nvPr>
+            <p:ph idx="1"/>
+          </p:nvPr>
+        </p:nvSpPr>
+        <p:spPr/>
+        <p:txBody>
+          <a:bodyPr/>
+          <a:lstStyle/>
+          <a:p>
+            <a:r>
+              <a:rPr lang="zh-CN" altLang="en-US" dirty="0"/>
+              <a:t>    前期繁体游戏发布登录后公告优化代码后，测试人员对繁体公告的相关功能进行了回归测试，但没有对使用同套服务的简体公告进行回归。大约两周后，简体运营同学在灌篮维护前使用登录后公告时发现异常，表现为：当同时存在多个设置了不同“目标应用版本”的登录后公告时，高版本公告会使低版本公告失效。</a:t>
+            </a:r>
+            <a:endParaRPr lang="en-US" altLang="zh-CN" dirty="0"/>
+          </a:p>
+          <a:p>
+            <a:endParaRPr lang="en-US" altLang="zh-CN" dirty="0"/>
+          </a:p>
+          <a:p>
+            <a:r>
+              <a:rPr lang="zh-CN" altLang="en-US" dirty="0"/>
+              <a:t>抛去近因，此问题反应了一种惯性思维：</a:t>
+            </a:r>
+            <a:endParaRPr lang="en-US" altLang="zh-CN" dirty="0"/>
+          </a:p>
+          <a:p>
+            <a:pPr lvl="1"/>
+            <a:r>
+              <a:rPr lang="zh-CN" altLang="en-US" dirty="0"/>
+              <a:t>测试人员会容易选择盲目相信既往的测试结果；</a:t>
+            </a:r>
+            <a:endParaRPr lang="en-US" altLang="zh-CN" dirty="0"/>
+          </a:p>
+          <a:p>
+            <a:pPr lvl="1"/>
+            <a:r>
+              <a:rPr lang="zh-CN" altLang="en-US" dirty="0"/>
+              <a:t>易陷入思维误区</a:t>
+            </a:r>
+            <a:r>
+              <a:rPr lang="en-US" altLang="zh-CN" dirty="0"/>
+              <a:t>——</a:t>
+            </a:r>
+            <a:r>
+              <a:rPr lang="zh-CN" altLang="en-US" dirty="0"/>
+              <a:t>没有直接改动且以前测试通过的功能，现在也不太可能会有问题；</a:t>
+            </a:r>
+            <a:endParaRPr lang="en-US" altLang="zh-CN" dirty="0"/>
+          </a:p>
+          <a:p>
+            <a:pPr lvl="1"/>
+            <a:r>
+              <a:rPr lang="zh-CN" altLang="en-US" dirty="0"/>
+              <a:t>没有质疑原有测试案例的主观能动性，习惯只看产生问题的表面原因。</a:t>
+            </a:r>
+            <a:endParaRPr lang="en-US" altLang="zh-CN" dirty="0"/>
+          </a:p>
+          <a:p>
+            <a:pPr lvl="1"/>
+            <a:endParaRPr lang="en-US" altLang="zh-CN" dirty="0"/>
+          </a:p>
+          <a:p>
+            <a:pPr lvl="1"/>
+            <a:endParaRPr lang="en-US" altLang="zh-CN" dirty="0"/>
+          </a:p>
+          <a:p>
+            <a:pPr lvl="1"/>
+            <a:endParaRPr lang="en-US" altLang="zh-CN" dirty="0"/>
+          </a:p>
+        </p:txBody>
+      </p:sp>
+    </p:spTree>
+    <p:extLst>
+      <p:ext uri="{BB962C8B-B14F-4D97-AF65-F5344CB8AC3E}">
+        <p14:creationId xmlns:p14="http://schemas.microsoft.com/office/powerpoint/2010/main" val="671538245"/>
+      </p:ext>
+    </p:extLst>
+  </p:cSld>
+  <p:clrMapOvr>
+    <a:masterClrMapping/>
+  </p:clrMapOvr>
+</p:sld>
+</file>
+
+<file path=ppt/slides/slide18.xml><?xml version="1.0" encoding="utf-8"?>
+<p:sld xmlns:a="http://schemas.openxmlformats.org/drawingml/2006/main" xmlns:r="http://schemas.openxmlformats.org/officeDocument/2006/relationships" xmlns:p="http://schemas.openxmlformats.org/presentationml/2006/main">
+  <p:cSld>
+    <p:spTree>
+      <p:nvGrpSpPr>
+        <p:cNvPr id="1" name=""/>
+        <p:cNvGrpSpPr/>
+        <p:nvPr/>
+      </p:nvGrpSpPr>
+      <p:grpSpPr>
+        <a:xfrm>
+          <a:off x="0" y="0"/>
+          <a:ext cx="0" cy="0"/>
+          <a:chOff x="0" y="0"/>
+          <a:chExt cx="0" cy="0"/>
+        </a:xfrm>
+      </p:grpSpPr>
+      <p:sp>
+        <p:nvSpPr>
+          <p:cNvPr id="2" name="标题 1">
+            <a:extLst>
+              <a:ext uri="{FF2B5EF4-FFF2-40B4-BE49-F238E27FC236}">
+                <a16:creationId xmlns:a16="http://schemas.microsoft.com/office/drawing/2014/main" id="{0D3C39CA-82C5-D24A-BE54-488BD91A8305}"/>
+              </a:ext>
+            </a:extLst>
+          </p:cNvPr>
+          <p:cNvSpPr>
+            <a:spLocks noGrp="1"/>
+          </p:cNvSpPr>
+          <p:nvPr>
+            <p:ph type="title"/>
+          </p:nvPr>
+        </p:nvSpPr>
+        <p:spPr/>
+        <p:txBody>
+          <a:bodyPr/>
+          <a:lstStyle/>
+          <a:p>
+            <a:r>
+              <a:rPr kumimoji="1" lang="zh-CN" altLang="en-US" dirty="0"/>
+              <a:t>优化方案</a:t>
+            </a:r>
+            <a:r>
+              <a:rPr kumimoji="1" lang="en-US" altLang="zh-CN" dirty="0"/>
+              <a:t>	</a:t>
+            </a:r>
+            <a:endParaRPr kumimoji="1" lang="zh-CN" altLang="en-US" dirty="0"/>
+          </a:p>
+        </p:txBody>
+      </p:sp>
+      <p:sp>
+        <p:nvSpPr>
+          <p:cNvPr id="3" name="内容占位符 2">
+            <a:extLst>
+              <a:ext uri="{FF2B5EF4-FFF2-40B4-BE49-F238E27FC236}">
+                <a16:creationId xmlns:a16="http://schemas.microsoft.com/office/drawing/2014/main" id="{65227E33-4A43-014D-B8F7-934E4F8E1473}"/>
+              </a:ext>
+            </a:extLst>
+          </p:cNvPr>
+          <p:cNvSpPr>
+            <a:spLocks noGrp="1"/>
+          </p:cNvSpPr>
+          <p:nvPr>
+            <p:ph idx="1"/>
+          </p:nvPr>
+        </p:nvSpPr>
+        <p:spPr/>
+        <p:txBody>
+          <a:bodyPr/>
+          <a:lstStyle/>
+          <a:p>
+            <a:r>
+              <a:rPr kumimoji="1" lang="zh-CN" altLang="en-US" dirty="0"/>
+              <a:t>拓展公告相关功能测试案例的覆盖维度；</a:t>
+            </a:r>
+            <a:endParaRPr kumimoji="1" lang="en-US" altLang="zh-CN" dirty="0"/>
+          </a:p>
+          <a:p>
+            <a:endParaRPr kumimoji="1" lang="en-US" altLang="zh-CN" dirty="0"/>
+          </a:p>
+          <a:p>
+            <a:r>
+              <a:rPr kumimoji="1" lang="zh-CN" altLang="en-US" dirty="0"/>
+              <a:t>整理典型</a:t>
+            </a:r>
+            <a:r>
+              <a:rPr kumimoji="1" lang="en-US" altLang="zh-CN" dirty="0"/>
+              <a:t>BUG</a:t>
+            </a:r>
+            <a:r>
+              <a:rPr kumimoji="1" lang="zh-CN" altLang="en-US" dirty="0"/>
+              <a:t>库，同时逐步开始修订原有测试用例，找出与现有业务内容相悖的地方并重新编写；</a:t>
+            </a:r>
+            <a:endParaRPr kumimoji="1" lang="en-US" altLang="zh-CN" dirty="0"/>
+          </a:p>
+          <a:p>
+            <a:endParaRPr kumimoji="1" lang="en-US" altLang="zh-CN" dirty="0"/>
+          </a:p>
+          <a:p>
+            <a:r>
+              <a:rPr kumimoji="1" lang="zh-CN" altLang="en-US" dirty="0"/>
+              <a:t>与需求部门沟通，熟悉平台使用者实际业务场景，使测试案例更具有针对性。</a:t>
+            </a:r>
+            <a:endParaRPr kumimoji="1" lang="en-US" altLang="zh-CN" dirty="0"/>
+          </a:p>
+          <a:p>
+            <a:endParaRPr kumimoji="1" lang="en-US" altLang="zh-CN" dirty="0"/>
+          </a:p>
+          <a:p>
+            <a:endParaRPr kumimoji="1" lang="en-US" altLang="zh-CN" dirty="0"/>
+          </a:p>
+          <a:p>
+            <a:endParaRPr kumimoji="1" lang="en-US" altLang="zh-CN" dirty="0"/>
+          </a:p>
+          <a:p>
+            <a:endParaRPr kumimoji="1" lang="en-US" altLang="zh-CN" dirty="0"/>
+          </a:p>
+        </p:txBody>
+      </p:sp>
+    </p:spTree>
+    <p:extLst>
+      <p:ext uri="{BB962C8B-B14F-4D97-AF65-F5344CB8AC3E}">
+        <p14:creationId xmlns:p14="http://schemas.microsoft.com/office/powerpoint/2010/main" val="1071605043"/>
+      </p:ext>
+    </p:extLst>
+  </p:cSld>
+  <p:clrMapOvr>
+    <a:masterClrMapping/>
+  </p:clrMapOvr>
+</p:sld>
+</file>
+
+<file path=ppt/slides/slide19.xml><?xml version="1.0" encoding="utf-8"?>
+<p:sld xmlns:a="http://schemas.openxmlformats.org/drawingml/2006/main" xmlns:r="http://schemas.openxmlformats.org/officeDocument/2006/relationships" xmlns:p="http://schemas.openxmlformats.org/presentationml/2006/main">
+  <p:cSld>
+    <p:spTree>
+      <p:nvGrpSpPr>
+        <p:cNvPr id="1" name=""/>
+        <p:cNvGrpSpPr/>
+        <p:nvPr/>
+      </p:nvGrpSpPr>
+      <p:grpSpPr>
+        <a:xfrm>
+          <a:off x="0" y="0"/>
+          <a:ext cx="0" cy="0"/>
+          <a:chOff x="0" y="0"/>
+          <a:chExt cx="0" cy="0"/>
+        </a:xfrm>
+      </p:grpSpPr>
+      <p:sp>
+        <p:nvSpPr>
+          <p:cNvPr id="2" name="标题 1">
+            <a:extLst>
+              <a:ext uri="{FF2B5EF4-FFF2-40B4-BE49-F238E27FC236}">
+                <a16:creationId xmlns:a16="http://schemas.microsoft.com/office/drawing/2014/main" id="{8DB9B84C-87A2-724B-8259-FA71078C2577}"/>
+              </a:ext>
+            </a:extLst>
+          </p:cNvPr>
+          <p:cNvSpPr>
+            <a:spLocks noGrp="1"/>
+          </p:cNvSpPr>
+          <p:nvPr>
+            <p:ph type="title"/>
+          </p:nvPr>
+        </p:nvSpPr>
+        <p:spPr/>
+        <p:txBody>
+          <a:bodyPr/>
+          <a:lstStyle/>
+          <a:p>
+            <a:r>
+              <a:rPr kumimoji="1" lang="zh-CN" altLang="en-US" dirty="0"/>
+              <a:t>四、归纳与总结</a:t>
+            </a:r>
+          </a:p>
+        </p:txBody>
+      </p:sp>
+      <p:sp>
+        <p:nvSpPr>
+          <p:cNvPr id="3" name="内容占位符 2">
+            <a:extLst>
+              <a:ext uri="{FF2B5EF4-FFF2-40B4-BE49-F238E27FC236}">
+                <a16:creationId xmlns:a16="http://schemas.microsoft.com/office/drawing/2014/main" id="{5CF6FF35-BE32-274E-ABFA-D26FD09EBFE1}"/>
+              </a:ext>
+            </a:extLst>
+          </p:cNvPr>
+          <p:cNvSpPr>
+            <a:spLocks noGrp="1"/>
+          </p:cNvSpPr>
+          <p:nvPr>
+            <p:ph idx="1"/>
+          </p:nvPr>
+        </p:nvSpPr>
+        <p:spPr/>
+        <p:txBody>
+          <a:bodyPr/>
+          <a:lstStyle/>
+          <a:p>
+            <a:r>
+              <a:rPr kumimoji="1" lang="zh-CN" altLang="en-US" dirty="0"/>
+              <a:t>优先级管理不到位：</a:t>
+            </a:r>
+            <a:endParaRPr kumimoji="1" lang="en-US" altLang="zh-CN" dirty="0"/>
+          </a:p>
+          <a:p>
+            <a:endParaRPr kumimoji="1" lang="en-US" altLang="zh-CN" dirty="0"/>
+          </a:p>
+          <a:p>
+            <a:r>
+              <a:rPr kumimoji="1" lang="zh-CN" altLang="en-US" dirty="0"/>
+              <a:t>测试案例</a:t>
+            </a:r>
+            <a:r>
+              <a:rPr kumimoji="1" lang="zh-CN" altLang="en-US"/>
+              <a:t>缺陷：</a:t>
+            </a:r>
+          </a:p>
+        </p:txBody>
+      </p:sp>
+    </p:spTree>
+    <p:extLst>
+      <p:ext uri="{BB962C8B-B14F-4D97-AF65-F5344CB8AC3E}">
+        <p14:creationId xmlns:p14="http://schemas.microsoft.com/office/powerpoint/2010/main" val="1461149462"/>
       </p:ext>
     </p:extLst>
   </p:cSld>

--- a/全球版灌篮OBT复盘总结.pptx
+++ b/全球版灌篮OBT复盘总结.pptx
@@ -1256,7 +1256,15 @@
           <a:p>
             <a:r>
               <a:rPr kumimoji="1" lang="zh-CN" altLang="en-US" dirty="0"/>
-              <a:t>第一次 产品中心</a:t>
+              <a:t>第一次 和</a:t>
+            </a:r>
+            <a:r>
+              <a:rPr kumimoji="1" lang="en-US" altLang="zh-CN" dirty="0" err="1"/>
+              <a:t>jason</a:t>
+            </a:r>
+            <a:r>
+              <a:rPr kumimoji="1" lang="zh-CN" altLang="en-US" dirty="0"/>
+              <a:t>沟通的处理结果</a:t>
             </a:r>
             <a:endParaRPr kumimoji="1" lang="en-US" altLang="zh-CN" dirty="0"/>
           </a:p>
@@ -1268,6 +1276,22 @@
               <a:rPr kumimoji="1" lang="zh-CN" altLang="en-US" dirty="0"/>
               <a:t>第二次 </a:t>
             </a:r>
+            <a:r>
+              <a:rPr kumimoji="1" lang="en-US" altLang="zh-CN" dirty="0"/>
+              <a:t>Jason——</a:t>
+            </a:r>
+            <a:r>
+              <a:rPr kumimoji="1" lang="zh-CN" altLang="en-US" dirty="0"/>
+              <a:t>润吉</a:t>
+            </a:r>
+            <a:r>
+              <a:rPr kumimoji="1" lang="en-US" altLang="zh-CN" dirty="0"/>
+              <a:t>——</a:t>
+            </a:r>
+            <a:r>
+              <a:rPr kumimoji="1" lang="zh-CN" altLang="en-US" dirty="0"/>
+              <a:t>找到胖子 测了下没有问题</a:t>
+            </a:r>
             <a:endParaRPr kumimoji="1" lang="en-US" altLang="zh-CN" dirty="0"/>
           </a:p>
           <a:p>
@@ -1276,7 +1300,23 @@
           <a:p>
             <a:r>
               <a:rPr kumimoji="1" lang="zh-CN" altLang="en-US" dirty="0"/>
-              <a:t>第三次 </a:t>
+              <a:t>第三次 拉会</a:t>
+            </a:r>
+            <a:r>
+              <a:rPr kumimoji="1" lang="en-US" altLang="zh-CN" dirty="0"/>
+              <a:t>——</a:t>
+            </a:r>
+            <a:r>
+              <a:rPr kumimoji="1" lang="zh-CN" altLang="en-US" dirty="0"/>
+              <a:t>简单判断问题</a:t>
+            </a:r>
+            <a:r>
+              <a:rPr kumimoji="1" lang="en-US" altLang="zh-CN" dirty="0"/>
+              <a:t>——</a:t>
+            </a:r>
+            <a:r>
+              <a:rPr kumimoji="1" lang="zh-CN" altLang="en-US" dirty="0"/>
+              <a:t>确定测试时间</a:t>
             </a:r>
             <a:endParaRPr kumimoji="1" lang="en-US" altLang="zh-CN" dirty="0"/>
           </a:p>
@@ -1286,7 +1326,23 @@
           <a:p>
             <a:r>
               <a:rPr kumimoji="1" lang="zh-CN" altLang="en-US" dirty="0"/>
-              <a:t>第四次 优化完成</a:t>
+              <a:t>第四次 问题定性</a:t>
+            </a:r>
+            <a:r>
+              <a:rPr kumimoji="1" lang="en-US" altLang="zh-CN" dirty="0"/>
+              <a:t>——</a:t>
+            </a:r>
+            <a:r>
+              <a:rPr kumimoji="1" lang="zh-CN" altLang="en-US" dirty="0"/>
+              <a:t>修复</a:t>
+            </a:r>
+            <a:r>
+              <a:rPr kumimoji="1" lang="en-US" altLang="zh-CN" dirty="0"/>
+              <a:t>——</a:t>
+            </a:r>
+            <a:r>
+              <a:rPr kumimoji="1" lang="zh-CN" altLang="en-US" dirty="0"/>
+              <a:t>完成优化</a:t>
             </a:r>
           </a:p>
         </p:txBody>
@@ -1323,6 +1379,90 @@
 </file>
 
 <file path=ppt/notesSlides/notesSlide15.xml><?xml version="1.0" encoding="utf-8"?>
+<p:notes xmlns:a="http://schemas.openxmlformats.org/drawingml/2006/main" xmlns:r="http://schemas.openxmlformats.org/officeDocument/2006/relationships" xmlns:p="http://schemas.openxmlformats.org/presentationml/2006/main">
+  <p:cSld>
+    <p:spTree>
+      <p:nvGrpSpPr>
+        <p:cNvPr id="1" name=""/>
+        <p:cNvGrpSpPr/>
+        <p:nvPr/>
+      </p:nvGrpSpPr>
+      <p:grpSpPr>
+        <a:xfrm>
+          <a:off x="0" y="0"/>
+          <a:ext cx="0" cy="0"/>
+          <a:chOff x="0" y="0"/>
+          <a:chExt cx="0" cy="0"/>
+        </a:xfrm>
+      </p:grpSpPr>
+      <p:sp>
+        <p:nvSpPr>
+          <p:cNvPr id="2" name="幻灯片图像占位符 1"/>
+          <p:cNvSpPr>
+            <a:spLocks noGrp="1" noRot="1" noChangeAspect="1"/>
+          </p:cNvSpPr>
+          <p:nvPr>
+            <p:ph type="sldImg"/>
+          </p:nvPr>
+        </p:nvSpPr>
+        <p:spPr/>
+      </p:sp>
+      <p:sp>
+        <p:nvSpPr>
+          <p:cNvPr id="3" name="备注占位符 2"/>
+          <p:cNvSpPr>
+            <a:spLocks noGrp="1"/>
+          </p:cNvSpPr>
+          <p:nvPr>
+            <p:ph type="body" idx="1"/>
+          </p:nvPr>
+        </p:nvSpPr>
+        <p:spPr/>
+        <p:txBody>
+          <a:bodyPr/>
+          <a:lstStyle/>
+          <a:p>
+            <a:endParaRPr kumimoji="1" lang="zh-CN" altLang="en-US" dirty="0"/>
+          </a:p>
+        </p:txBody>
+      </p:sp>
+      <p:sp>
+        <p:nvSpPr>
+          <p:cNvPr id="4" name="灯片编号占位符 3"/>
+          <p:cNvSpPr>
+            <a:spLocks noGrp="1"/>
+          </p:cNvSpPr>
+          <p:nvPr>
+            <p:ph type="sldNum" sz="quarter" idx="5"/>
+          </p:nvPr>
+        </p:nvSpPr>
+        <p:spPr/>
+        <p:txBody>
+          <a:bodyPr/>
+          <a:lstStyle/>
+          <a:p>
+            <a:fld id="{A6837353-30EB-4A48-80EB-173D804AEFBD}" type="slidenum">
+              <a:rPr lang="zh-CN" altLang="en-US" smtClean="0"/>
+              <a:t>15</a:t>
+            </a:fld>
+            <a:endParaRPr lang="zh-CN" altLang="en-US"/>
+          </a:p>
+        </p:txBody>
+      </p:sp>
+    </p:spTree>
+    <p:extLst>
+      <p:ext uri="{BB962C8B-B14F-4D97-AF65-F5344CB8AC3E}">
+        <p14:creationId xmlns:p14="http://schemas.microsoft.com/office/powerpoint/2010/main" val="3047539430"/>
+      </p:ext>
+    </p:extLst>
+  </p:cSld>
+  <p:clrMapOvr>
+    <a:masterClrMapping/>
+  </p:clrMapOvr>
+</p:notes>
+</file>
+
+<file path=ppt/notesSlides/notesSlide16.xml><?xml version="1.0" encoding="utf-8"?>
 <p:notes xmlns:a="http://schemas.openxmlformats.org/drawingml/2006/main" xmlns:r="http://schemas.openxmlformats.org/officeDocument/2006/relationships" xmlns:p="http://schemas.openxmlformats.org/presentationml/2006/main">
   <p:cSld>
     <p:spTree>
@@ -21056,12 +21196,18 @@
       </p:grpSpPr>
       <p:sp>
         <p:nvSpPr>
-          <p:cNvPr id="3" name="标题 2"/>
+          <p:cNvPr id="2" name="内容占位符 1">
+            <a:extLst>
+              <a:ext uri="{FF2B5EF4-FFF2-40B4-BE49-F238E27FC236}">
+                <a16:creationId xmlns:a16="http://schemas.microsoft.com/office/drawing/2014/main" id="{40E19CDB-61B1-E94B-ABFB-EAA41066116F}"/>
+              </a:ext>
+            </a:extLst>
+          </p:cNvPr>
           <p:cNvSpPr>
             <a:spLocks noGrp="1"/>
           </p:cNvSpPr>
           <p:nvPr>
-            <p:ph type="title"/>
+            <p:ph sz="quarter" idx="13"/>
           </p:nvPr>
         </p:nvSpPr>
         <p:spPr/>
@@ -21071,55 +21217,7 @@
           <a:p>
             <a:r>
               <a:rPr lang="zh-CN" altLang="en-US" dirty="0"/>
-              <a:t>自查</a:t>
-            </a:r>
-          </a:p>
-        </p:txBody>
-      </p:sp>
-      <p:sp>
-        <p:nvSpPr>
-          <p:cNvPr id="4" name="内容占位符 3"/>
-          <p:cNvSpPr>
-            <a:spLocks noGrp="1"/>
-          </p:cNvSpPr>
-          <p:nvPr>
-            <p:ph idx="1"/>
-          </p:nvPr>
-        </p:nvSpPr>
-        <p:spPr/>
-        <p:txBody>
-          <a:bodyPr/>
-          <a:lstStyle/>
-          <a:p>
-            <a:r>
-              <a:rPr lang="zh-CN" altLang="en-US" dirty="0"/>
-              <a:t>    前期繁体游戏发布登录后公告优化代码后，测试人员对繁体公告的相关功能进行了回归测试，但没有对使用同套服务的简体公告进行回归。大约两周后，简体运营同学在灌篮维护前使用登录后公告时发现异常，表现为：当同时存在多个设置了不同“目标应用版本”的登录后公告时，高版本公告会使低版本公告失效。</a:t>
-            </a:r>
-            <a:endParaRPr lang="en-US" altLang="zh-CN" dirty="0"/>
-          </a:p>
-          <a:p>
-            <a:endParaRPr lang="en-US" altLang="zh-CN" dirty="0"/>
-          </a:p>
-          <a:p>
-            <a:r>
-              <a:rPr lang="zh-CN" altLang="en-US" dirty="0"/>
-              <a:t>抛去近因，此问题反应了一种惯性思维：</a:t>
-            </a:r>
-            <a:endParaRPr lang="en-US" altLang="zh-CN" dirty="0"/>
-          </a:p>
-          <a:p>
-            <a:pPr lvl="1"/>
-            <a:r>
-              <a:rPr lang="zh-CN" altLang="en-US" dirty="0"/>
-              <a:t>测试人员会容易选择盲目相信既往的测试结果；</a:t>
-            </a:r>
-            <a:endParaRPr lang="en-US" altLang="zh-CN" dirty="0"/>
-          </a:p>
-          <a:p>
-            <a:pPr lvl="1"/>
-            <a:r>
-              <a:rPr lang="zh-CN" altLang="en-US" dirty="0"/>
-              <a:t>易陷入思维误区</a:t>
+              <a:t>为什么没有发现问题</a:t>
             </a:r>
             <a:r>
               <a:rPr lang="en-US" altLang="zh-CN" dirty="0"/>
@@ -21127,29 +21225,8 @@
             </a:r>
             <a:r>
               <a:rPr lang="zh-CN" altLang="en-US" dirty="0"/>
-              <a:t>没有直接改动且以前测试通过的功能，现在也不太可能会有问题；</a:t>
-            </a:r>
-            <a:endParaRPr lang="en-US" altLang="zh-CN" dirty="0"/>
-          </a:p>
-          <a:p>
-            <a:pPr lvl="1"/>
-            <a:r>
-              <a:rPr lang="zh-CN" altLang="en-US" dirty="0"/>
-              <a:t>没有质疑原有测试案例的主观能动性，习惯只看产生问题的表面原因。</a:t>
-            </a:r>
-            <a:endParaRPr lang="en-US" altLang="zh-CN" dirty="0"/>
-          </a:p>
-          <a:p>
-            <a:pPr lvl="1"/>
-            <a:endParaRPr lang="en-US" altLang="zh-CN" dirty="0"/>
-          </a:p>
-          <a:p>
-            <a:pPr lvl="1"/>
-            <a:endParaRPr lang="en-US" altLang="zh-CN" dirty="0"/>
-          </a:p>
-          <a:p>
-            <a:pPr lvl="1"/>
-            <a:endParaRPr lang="en-US" altLang="zh-CN" dirty="0"/>
+              <a:t>为什么过了这么久才定位（前期沟通花时间、没有按照一线使用人员情况模拟场景、不知道也没有认识到繁体代码上线会让简体公告产生优先级问题）</a:t>
+            </a:r>
           </a:p>
         </p:txBody>
       </p:sp>
